--- a/Erd.pptx
+++ b/Erd.pptx
@@ -3996,7 +3996,7 @@
             <a:pPr algn="ctr"/>
             <a:r>
               <a:rPr lang="en-US" sz="1600" dirty="0" smtClean="0"/>
-              <a:t>Bank monetary </a:t>
+              <a:t>Deposit</a:t>
             </a:r>
             <a:endParaRPr lang="en-US" sz="1600" dirty="0"/>
           </a:p>
@@ -4049,58 +4049,6 @@
             <a:endParaRPr lang="en-US" sz="1100" dirty="0">
               <a:solidFill>
                 <a:srgbClr val="FFFF00"/>
-              </a:solidFill>
-            </a:endParaRPr>
-          </a:p>
-        </p:txBody>
-      </p:sp>
-      <p:sp>
-        <p:nvSpPr>
-          <p:cNvPr id="6" name="Oval 5"/>
-          <p:cNvSpPr/>
-          <p:nvPr/>
-        </p:nvSpPr>
-        <p:spPr>
-          <a:xfrm>
-            <a:off x="1219200" y="990600"/>
-            <a:ext cx="1371600" cy="533400"/>
-          </a:xfrm>
-          <a:prstGeom prst="ellipse">
-            <a:avLst/>
-          </a:prstGeom>
-        </p:spPr>
-        <p:style>
-          <a:lnRef idx="2">
-            <a:schemeClr val="accent1">
-              <a:shade val="50000"/>
-            </a:schemeClr>
-          </a:lnRef>
-          <a:fillRef idx="1">
-            <a:schemeClr val="accent1"/>
-          </a:fillRef>
-          <a:effectRef idx="0">
-            <a:schemeClr val="accent1"/>
-          </a:effectRef>
-          <a:fontRef idx="minor">
-            <a:schemeClr val="lt1"/>
-          </a:fontRef>
-        </p:style>
-        <p:txBody>
-          <a:bodyPr rtlCol="0" anchor="ctr"/>
-          <a:lstStyle/>
-          <a:p>
-            <a:pPr algn="ctr"/>
-            <a:r>
-              <a:rPr lang="en-US" sz="1000" dirty="0" smtClean="0">
-                <a:solidFill>
-                  <a:schemeClr val="tx1"/>
-                </a:solidFill>
-              </a:rPr>
-              <a:t>Type (Deposit/withdraw)</a:t>
-            </a:r>
-            <a:endParaRPr lang="en-US" sz="1000" dirty="0">
-              <a:solidFill>
-                <a:schemeClr val="tx1"/>
               </a:solidFill>
             </a:endParaRPr>
           </a:p>
@@ -4253,14 +4201,7 @@
             <a:pPr algn="ctr"/>
             <a:r>
               <a:rPr lang="en-US" sz="1600" dirty="0" smtClean="0"/>
-              <a:t>Card </a:t>
-            </a:r>
-          </a:p>
-          <a:p>
-            <a:pPr algn="ctr"/>
-            <a:r>
-              <a:rPr lang="en-US" sz="1600" dirty="0" smtClean="0"/>
-              <a:t>Spend</a:t>
+              <a:t>Transaction</a:t>
             </a:r>
             <a:endParaRPr lang="en-US" sz="1600" dirty="0"/>
           </a:p>
@@ -4481,13 +4422,13 @@
       </p:sp>
       <p:sp>
         <p:nvSpPr>
-          <p:cNvPr id="19" name="Oval 18"/>
+          <p:cNvPr id="21" name="Oval 20"/>
           <p:cNvSpPr/>
           <p:nvPr/>
         </p:nvSpPr>
         <p:spPr>
           <a:xfrm>
-            <a:off x="2971800" y="2057400"/>
+            <a:off x="3276600" y="5181600"/>
             <a:ext cx="1447800" cy="381000"/>
           </a:xfrm>
           <a:prstGeom prst="ellipse">
@@ -4533,13 +4474,13 @@
       </p:sp>
       <p:sp>
         <p:nvSpPr>
-          <p:cNvPr id="21" name="Oval 20"/>
+          <p:cNvPr id="22" name="Oval 21"/>
           <p:cNvSpPr/>
           <p:nvPr/>
         </p:nvSpPr>
         <p:spPr>
           <a:xfrm>
-            <a:off x="3276600" y="5181600"/>
+            <a:off x="2590800" y="228600"/>
             <a:ext cx="1447800" cy="381000"/>
           </a:xfrm>
           <a:prstGeom prst="ellipse">
@@ -4573,7 +4514,7 @@
                   <a:schemeClr val="tx1"/>
                 </a:solidFill>
               </a:rPr>
-              <a:t>success</a:t>
+              <a:t>amount</a:t>
             </a:r>
             <a:endParaRPr lang="en-US" sz="1200" dirty="0">
               <a:solidFill>
@@ -4585,13 +4526,13 @@
       </p:sp>
       <p:sp>
         <p:nvSpPr>
-          <p:cNvPr id="22" name="Oval 21"/>
+          <p:cNvPr id="24" name="Oval 23"/>
           <p:cNvSpPr/>
           <p:nvPr/>
         </p:nvSpPr>
         <p:spPr>
           <a:xfrm>
-            <a:off x="2590800" y="228600"/>
+            <a:off x="3276600" y="3810000"/>
             <a:ext cx="1447800" cy="381000"/>
           </a:xfrm>
           <a:prstGeom prst="ellipse">
@@ -4637,65 +4578,13 @@
       </p:sp>
       <p:sp>
         <p:nvSpPr>
-          <p:cNvPr id="24" name="Oval 23"/>
-          <p:cNvSpPr/>
-          <p:nvPr/>
-        </p:nvSpPr>
-        <p:spPr>
-          <a:xfrm>
-            <a:off x="3276600" y="3810000"/>
-            <a:ext cx="1447800" cy="381000"/>
-          </a:xfrm>
-          <a:prstGeom prst="ellipse">
-            <a:avLst/>
-          </a:prstGeom>
-        </p:spPr>
-        <p:style>
-          <a:lnRef idx="2">
-            <a:schemeClr val="accent1">
-              <a:shade val="50000"/>
-            </a:schemeClr>
-          </a:lnRef>
-          <a:fillRef idx="1">
-            <a:schemeClr val="accent1"/>
-          </a:fillRef>
-          <a:effectRef idx="0">
-            <a:schemeClr val="accent1"/>
-          </a:effectRef>
-          <a:fontRef idx="minor">
-            <a:schemeClr val="lt1"/>
-          </a:fontRef>
-        </p:style>
-        <p:txBody>
-          <a:bodyPr rtlCol="0" anchor="ctr"/>
-          <a:lstStyle/>
-          <a:p>
-            <a:pPr algn="ctr"/>
-            <a:r>
-              <a:rPr lang="en-US" sz="1200" dirty="0" smtClean="0">
-                <a:solidFill>
-                  <a:schemeClr val="tx1"/>
-                </a:solidFill>
-              </a:rPr>
-              <a:t>amount</a:t>
-            </a:r>
-            <a:endParaRPr lang="en-US" sz="1200" dirty="0">
-              <a:solidFill>
-                <a:schemeClr val="tx1"/>
-              </a:solidFill>
-            </a:endParaRPr>
-          </a:p>
-        </p:txBody>
-      </p:sp>
-      <p:sp>
-        <p:nvSpPr>
           <p:cNvPr id="26" name="Oval 25"/>
           <p:cNvSpPr/>
           <p:nvPr/>
         </p:nvSpPr>
         <p:spPr>
           <a:xfrm>
-            <a:off x="4495800" y="4495800"/>
+            <a:off x="4572000" y="4495800"/>
             <a:ext cx="990600" cy="304800"/>
           </a:xfrm>
           <a:prstGeom prst="ellipse">
@@ -4946,7 +4835,7 @@
             <a:pPr algn="ctr"/>
             <a:r>
               <a:rPr lang="en-US" sz="1600" dirty="0" smtClean="0"/>
-              <a:t>Bank monetary </a:t>
+              <a:t>Deposit</a:t>
             </a:r>
             <a:endParaRPr lang="en-US" sz="1600" dirty="0"/>
           </a:p>
@@ -4989,8 +4878,8 @@
           <a:p>
             <a:pPr algn="ctr"/>
             <a:r>
-              <a:rPr lang="en-US" sz="1600" dirty="0" smtClean="0"/>
-              <a:t>Card spend</a:t>
+              <a:rPr lang="en-US" sz="1600" smtClean="0"/>
+              <a:t>Transaction</a:t>
             </a:r>
             <a:endParaRPr lang="en-US" sz="1600" dirty="0"/>
           </a:p>

--- a/Erd.pptx
+++ b/Erd.pptx
@@ -8,6 +8,8 @@
     <p:sldId id="259" r:id="rId2"/>
     <p:sldId id="260" r:id="rId3"/>
     <p:sldId id="261" r:id="rId4"/>
+    <p:sldId id="262" r:id="rId5"/>
+    <p:sldId id="263" r:id="rId6"/>
   </p:sldIdLst>
   <p:sldSz cx="9144000" cy="6858000" type="screen4x3"/>
   <p:notesSz cx="6858000" cy="9144000"/>
@@ -3069,7 +3071,7 @@
         </p:nvSpPr>
         <p:spPr>
           <a:xfrm>
-            <a:off x="1219200" y="838200"/>
+            <a:off x="2209800" y="2057400"/>
             <a:ext cx="1219200" cy="457200"/>
           </a:xfrm>
           <a:prstGeom prst="rect">
@@ -3113,8 +3115,8 @@
         </p:nvSpPr>
         <p:spPr>
           <a:xfrm>
-            <a:off x="228600" y="457200"/>
-            <a:ext cx="762000" cy="304800"/>
+            <a:off x="1524000" y="1219200"/>
+            <a:ext cx="990600" cy="533400"/>
           </a:xfrm>
           <a:prstGeom prst="ellipse">
             <a:avLst/>
@@ -3165,8 +3167,8 @@
         </p:nvSpPr>
         <p:spPr>
           <a:xfrm>
-            <a:off x="152400" y="838200"/>
-            <a:ext cx="990600" cy="304800"/>
+            <a:off x="609600" y="1828800"/>
+            <a:ext cx="1143000" cy="381000"/>
           </a:xfrm>
           <a:prstGeom prst="ellipse">
             <a:avLst/>
@@ -3194,14 +3196,14 @@
           <a:p>
             <a:pPr algn="ctr"/>
             <a:r>
-              <a:rPr lang="en-US" sz="1000" dirty="0" smtClean="0">
+              <a:rPr lang="en-US" sz="1400" dirty="0" smtClean="0">
                 <a:solidFill>
                   <a:schemeClr val="tx1"/>
                 </a:solidFill>
               </a:rPr>
               <a:t>Phone no</a:t>
             </a:r>
-            <a:endParaRPr lang="en-US" sz="1000" dirty="0">
+            <a:endParaRPr lang="en-US" sz="1400" dirty="0">
               <a:solidFill>
                 <a:schemeClr val="tx1"/>
               </a:solidFill>
@@ -3217,7 +3219,7 @@
         </p:nvSpPr>
         <p:spPr>
           <a:xfrm>
-            <a:off x="0" y="1371600"/>
+            <a:off x="609600" y="2590800"/>
             <a:ext cx="1219200" cy="304800"/>
           </a:xfrm>
           <a:prstGeom prst="ellipse">
@@ -3269,7 +3271,7 @@
         </p:nvSpPr>
         <p:spPr>
           <a:xfrm>
-            <a:off x="5562600" y="990600"/>
+            <a:off x="6477000" y="1905000"/>
             <a:ext cx="1219200" cy="457200"/>
           </a:xfrm>
           <a:prstGeom prst="rect">
@@ -3313,7 +3315,7 @@
         </p:nvSpPr>
         <p:spPr>
           <a:xfrm>
-            <a:off x="4572000" y="381000"/>
+            <a:off x="7848600" y="1828800"/>
             <a:ext cx="762000" cy="304800"/>
           </a:xfrm>
           <a:prstGeom prst="ellipse">
@@ -3342,14 +3344,14 @@
           <a:p>
             <a:pPr algn="ctr"/>
             <a:r>
-              <a:rPr lang="en-US" sz="1400" dirty="0" smtClean="0">
+              <a:rPr lang="en-US" sz="1400" u="sng" dirty="0" smtClean="0">
                 <a:solidFill>
                   <a:srgbClr val="FFFF00"/>
                 </a:solidFill>
               </a:rPr>
               <a:t>id</a:t>
             </a:r>
-            <a:endParaRPr lang="en-US" sz="1400" dirty="0">
+            <a:endParaRPr lang="en-US" sz="1400" u="sng" dirty="0">
               <a:solidFill>
                 <a:srgbClr val="FFFF00"/>
               </a:solidFill>
@@ -3365,7 +3367,7 @@
         </p:nvSpPr>
         <p:spPr>
           <a:xfrm>
-            <a:off x="4267200" y="990600"/>
+            <a:off x="5181600" y="1905000"/>
             <a:ext cx="1219200" cy="304800"/>
           </a:xfrm>
           <a:prstGeom prst="ellipse">
@@ -3417,7 +3419,7 @@
         </p:nvSpPr>
         <p:spPr>
           <a:xfrm>
-            <a:off x="1447800" y="3276600"/>
+            <a:off x="3581400" y="4876800"/>
             <a:ext cx="1219200" cy="457200"/>
           </a:xfrm>
           <a:prstGeom prst="rect">
@@ -3461,8 +3463,8 @@
         </p:nvSpPr>
         <p:spPr>
           <a:xfrm>
-            <a:off x="457200" y="2667000"/>
-            <a:ext cx="762000" cy="304800"/>
+            <a:off x="2362200" y="3962400"/>
+            <a:ext cx="1371600" cy="533400"/>
           </a:xfrm>
           <a:prstGeom prst="ellipse">
             <a:avLst/>
@@ -3490,14 +3492,14 @@
           <a:p>
             <a:pPr algn="ctr"/>
             <a:r>
-              <a:rPr lang="en-US" sz="1100" dirty="0" smtClean="0">
+              <a:rPr lang="en-US" sz="1600" u="sng" dirty="0" smtClean="0">
                 <a:solidFill>
                   <a:srgbClr val="FFFF00"/>
                 </a:solidFill>
               </a:rPr>
-              <a:t>Id</a:t>
-            </a:r>
-            <a:endParaRPr lang="en-US" sz="1100" dirty="0">
+              <a:t>Card id</a:t>
+            </a:r>
+            <a:endParaRPr lang="en-US" sz="1600" u="sng" dirty="0">
               <a:solidFill>
                 <a:srgbClr val="FFFF00"/>
               </a:solidFill>
@@ -3513,7 +3515,7 @@
         </p:nvSpPr>
         <p:spPr>
           <a:xfrm>
-            <a:off x="0" y="3048000"/>
+            <a:off x="2133600" y="4648200"/>
             <a:ext cx="1371600" cy="533400"/>
           </a:xfrm>
           <a:prstGeom prst="ellipse">
@@ -3565,7 +3567,7 @@
         </p:nvSpPr>
         <p:spPr>
           <a:xfrm>
-            <a:off x="0" y="3810000"/>
+            <a:off x="2133600" y="5410200"/>
             <a:ext cx="1447800" cy="381000"/>
           </a:xfrm>
           <a:prstGeom prst="ellipse">
@@ -3617,8 +3619,8 @@
         </p:nvSpPr>
         <p:spPr>
           <a:xfrm>
-            <a:off x="838200" y="152400"/>
-            <a:ext cx="990600" cy="304800"/>
+            <a:off x="2895600" y="1371600"/>
+            <a:ext cx="1447800" cy="533400"/>
           </a:xfrm>
           <a:prstGeom prst="ellipse">
             <a:avLst/>
@@ -3646,14 +3648,14 @@
           <a:p>
             <a:pPr algn="ctr"/>
             <a:r>
-              <a:rPr lang="en-US" sz="1100" dirty="0" smtClean="0">
+              <a:rPr lang="en-US" sz="1400" u="sng" dirty="0" smtClean="0">
                 <a:solidFill>
                   <a:srgbClr val="FFFF00"/>
                 </a:solidFill>
               </a:rPr>
-              <a:t>Number</a:t>
-            </a:r>
-            <a:endParaRPr lang="en-US" sz="1100" dirty="0">
+              <a:t>Acc number</a:t>
+            </a:r>
+            <a:endParaRPr lang="en-US" sz="1400" u="sng" dirty="0">
               <a:solidFill>
                 <a:srgbClr val="FFFF00"/>
               </a:solidFill>
@@ -3669,7 +3671,7 @@
         </p:nvSpPr>
         <p:spPr>
           <a:xfrm>
-            <a:off x="685800" y="4419600"/>
+            <a:off x="2819400" y="6019800"/>
             <a:ext cx="990600" cy="304800"/>
           </a:xfrm>
           <a:prstGeom prst="ellipse">
@@ -3726,7 +3728,7 @@
         </p:nvSpPr>
         <p:spPr>
           <a:xfrm>
-            <a:off x="1981200" y="4267200"/>
+            <a:off x="4114800" y="5867400"/>
             <a:ext cx="1447800" cy="381000"/>
           </a:xfrm>
           <a:prstGeom prst="ellipse">
@@ -3778,8 +3780,8 @@
         </p:nvSpPr>
         <p:spPr>
           <a:xfrm>
-            <a:off x="1600200" y="1447800"/>
-            <a:ext cx="1066800" cy="381000"/>
+            <a:off x="2209800" y="2667000"/>
+            <a:ext cx="1219200" cy="381000"/>
           </a:xfrm>
           <a:prstGeom prst="ellipse">
             <a:avLst/>
@@ -3830,7 +3832,7 @@
         </p:nvSpPr>
         <p:spPr>
           <a:xfrm>
-            <a:off x="2895600" y="3505200"/>
+            <a:off x="5029200" y="5105400"/>
             <a:ext cx="1447800" cy="381000"/>
           </a:xfrm>
           <a:prstGeom prst="ellipse">
@@ -3882,7 +3884,7 @@
         </p:nvSpPr>
         <p:spPr>
           <a:xfrm>
-            <a:off x="1752600" y="2667000"/>
+            <a:off x="3886200" y="4267200"/>
             <a:ext cx="1447800" cy="381000"/>
           </a:xfrm>
           <a:prstGeom prst="ellipse">
@@ -4010,8 +4012,8 @@
         </p:nvSpPr>
         <p:spPr>
           <a:xfrm>
-            <a:off x="1524000" y="533400"/>
-            <a:ext cx="1143000" cy="304800"/>
+            <a:off x="1219200" y="533400"/>
+            <a:ext cx="1447800" cy="457200"/>
           </a:xfrm>
           <a:prstGeom prst="ellipse">
             <a:avLst/>
@@ -4039,14 +4041,14 @@
           <a:p>
             <a:pPr algn="ctr"/>
             <a:r>
-              <a:rPr lang="en-US" sz="1100" dirty="0" smtClean="0">
+              <a:rPr lang="en-US" sz="1400" u="sng" dirty="0" smtClean="0">
                 <a:solidFill>
                   <a:srgbClr val="FFFF00"/>
                 </a:solidFill>
               </a:rPr>
               <a:t>Receipt no</a:t>
             </a:r>
-            <a:endParaRPr lang="en-US" sz="1100" dirty="0">
+            <a:endParaRPr lang="en-US" sz="1400" u="sng" dirty="0">
               <a:solidFill>
                 <a:srgbClr val="FFFF00"/>
               </a:solidFill>
@@ -4114,7 +4116,7 @@
         </p:nvSpPr>
         <p:spPr>
           <a:xfrm>
-            <a:off x="1905000" y="2362200"/>
+            <a:off x="4419600" y="1524000"/>
             <a:ext cx="990600" cy="304800"/>
           </a:xfrm>
           <a:prstGeom prst="ellipse">
@@ -4215,8 +4217,8 @@
         </p:nvSpPr>
         <p:spPr>
           <a:xfrm>
-            <a:off x="1905000" y="3581400"/>
-            <a:ext cx="1219200" cy="457200"/>
+            <a:off x="1600200" y="3429000"/>
+            <a:ext cx="1524000" cy="609600"/>
           </a:xfrm>
           <a:prstGeom prst="ellipse">
             <a:avLst/>
@@ -4244,14 +4246,14 @@
           <a:p>
             <a:pPr algn="ctr"/>
             <a:r>
-              <a:rPr lang="en-US" sz="1100" dirty="0" smtClean="0">
+              <a:rPr lang="en-US" sz="1400" u="sng" dirty="0" smtClean="0">
                 <a:solidFill>
                   <a:srgbClr val="FFFF00"/>
                 </a:solidFill>
               </a:rPr>
               <a:t>Transaction id</a:t>
             </a:r>
-            <a:endParaRPr lang="en-US" sz="1100" dirty="0">
+            <a:endParaRPr lang="en-US" sz="1400" u="sng" dirty="0">
               <a:solidFill>
                 <a:srgbClr val="FFFF00"/>
               </a:solidFill>
@@ -4480,7 +4482,7 @@
         </p:nvSpPr>
         <p:spPr>
           <a:xfrm>
-            <a:off x="2590800" y="228600"/>
+            <a:off x="3810000" y="457200"/>
             <a:ext cx="1447800" cy="381000"/>
           </a:xfrm>
           <a:prstGeom prst="ellipse">
@@ -5503,6 +5505,2613 @@
           </a:fontRef>
         </p:style>
       </p:cxnSp>
+    </p:spTree>
+  </p:cSld>
+  <p:clrMapOvr>
+    <a:masterClrMapping/>
+  </p:clrMapOvr>
+</p:sld>
+</file>
+
+<file path=ppt/slides/slide4.xml><?xml version="1.0" encoding="utf-8"?>
+<p:sld xmlns:a="http://schemas.openxmlformats.org/drawingml/2006/main" xmlns:r="http://schemas.openxmlformats.org/officeDocument/2006/relationships" xmlns:p="http://schemas.openxmlformats.org/presentationml/2006/main">
+  <p:cSld>
+    <p:spTree>
+      <p:nvGrpSpPr>
+        <p:cNvPr id="1" name=""/>
+        <p:cNvGrpSpPr/>
+        <p:nvPr/>
+      </p:nvGrpSpPr>
+      <p:grpSpPr>
+        <a:xfrm>
+          <a:off x="0" y="0"/>
+          <a:ext cx="0" cy="0"/>
+          <a:chOff x="0" y="0"/>
+          <a:chExt cx="0" cy="0"/>
+        </a:xfrm>
+      </p:grpSpPr>
+      <p:sp>
+        <p:nvSpPr>
+          <p:cNvPr id="4" name="Rectangle 3"/>
+          <p:cNvSpPr/>
+          <p:nvPr/>
+        </p:nvSpPr>
+        <p:spPr>
+          <a:xfrm>
+            <a:off x="2362200" y="1600200"/>
+            <a:ext cx="4724400" cy="4267200"/>
+          </a:xfrm>
+          <a:prstGeom prst="rect">
+            <a:avLst/>
+          </a:prstGeom>
+          <a:solidFill>
+            <a:schemeClr val="bg1"/>
+          </a:solidFill>
+        </p:spPr>
+        <p:style>
+          <a:lnRef idx="2">
+            <a:schemeClr val="accent1">
+              <a:shade val="50000"/>
+            </a:schemeClr>
+          </a:lnRef>
+          <a:fillRef idx="1">
+            <a:schemeClr val="accent1"/>
+          </a:fillRef>
+          <a:effectRef idx="0">
+            <a:schemeClr val="accent1"/>
+          </a:effectRef>
+          <a:fontRef idx="minor">
+            <a:schemeClr val="lt1"/>
+          </a:fontRef>
+        </p:style>
+        <p:txBody>
+          <a:bodyPr rtlCol="0" anchor="ctr"/>
+          <a:lstStyle/>
+          <a:p>
+            <a:pPr algn="ctr"/>
+            <a:endParaRPr lang="en-US" dirty="0"/>
+          </a:p>
+        </p:txBody>
+      </p:sp>
+      <p:sp>
+        <p:nvSpPr>
+          <p:cNvPr id="5" name="Oval 4"/>
+          <p:cNvSpPr/>
+          <p:nvPr/>
+        </p:nvSpPr>
+        <p:spPr>
+          <a:xfrm>
+            <a:off x="914400" y="1600200"/>
+            <a:ext cx="228600" cy="228600"/>
+          </a:xfrm>
+          <a:prstGeom prst="ellipse">
+            <a:avLst/>
+          </a:prstGeom>
+        </p:spPr>
+        <p:style>
+          <a:lnRef idx="2">
+            <a:schemeClr val="accent1">
+              <a:shade val="50000"/>
+            </a:schemeClr>
+          </a:lnRef>
+          <a:fillRef idx="1">
+            <a:schemeClr val="accent1"/>
+          </a:fillRef>
+          <a:effectRef idx="0">
+            <a:schemeClr val="accent1"/>
+          </a:effectRef>
+          <a:fontRef idx="minor">
+            <a:schemeClr val="lt1"/>
+          </a:fontRef>
+        </p:style>
+        <p:txBody>
+          <a:bodyPr rtlCol="0" anchor="ctr"/>
+          <a:lstStyle/>
+          <a:p>
+            <a:pPr algn="ctr"/>
+            <a:endParaRPr lang="en-US"/>
+          </a:p>
+        </p:txBody>
+      </p:sp>
+      <p:cxnSp>
+        <p:nvCxnSpPr>
+          <p:cNvPr id="7" name="Straight Connector 6"/>
+          <p:cNvCxnSpPr>
+            <a:stCxn id="5" idx="4"/>
+          </p:cNvCxnSpPr>
+          <p:nvPr/>
+        </p:nvCxnSpPr>
+        <p:spPr>
+          <a:xfrm flipH="1">
+            <a:off x="990600" y="1828800"/>
+            <a:ext cx="38100" cy="609600"/>
+          </a:xfrm>
+          <a:prstGeom prst="line">
+            <a:avLst/>
+          </a:prstGeom>
+          <a:ln w="38100"/>
+        </p:spPr>
+        <p:style>
+          <a:lnRef idx="1">
+            <a:schemeClr val="accent1"/>
+          </a:lnRef>
+          <a:fillRef idx="0">
+            <a:schemeClr val="accent1"/>
+          </a:fillRef>
+          <a:effectRef idx="0">
+            <a:schemeClr val="accent1"/>
+          </a:effectRef>
+          <a:fontRef idx="minor">
+            <a:schemeClr val="tx1"/>
+          </a:fontRef>
+        </p:style>
+      </p:cxnSp>
+      <p:cxnSp>
+        <p:nvCxnSpPr>
+          <p:cNvPr id="9" name="Straight Connector 8"/>
+          <p:cNvCxnSpPr/>
+          <p:nvPr/>
+        </p:nvCxnSpPr>
+        <p:spPr>
+          <a:xfrm flipH="1">
+            <a:off x="838200" y="1981200"/>
+            <a:ext cx="342900" cy="0"/>
+          </a:xfrm>
+          <a:prstGeom prst="line">
+            <a:avLst/>
+          </a:prstGeom>
+          <a:ln w="38100"/>
+        </p:spPr>
+        <p:style>
+          <a:lnRef idx="1">
+            <a:schemeClr val="accent1"/>
+          </a:lnRef>
+          <a:fillRef idx="0">
+            <a:schemeClr val="accent1"/>
+          </a:fillRef>
+          <a:effectRef idx="0">
+            <a:schemeClr val="accent1"/>
+          </a:effectRef>
+          <a:fontRef idx="minor">
+            <a:schemeClr val="tx1"/>
+          </a:fontRef>
+        </p:style>
+      </p:cxnSp>
+      <p:cxnSp>
+        <p:nvCxnSpPr>
+          <p:cNvPr id="12" name="Straight Connector 11"/>
+          <p:cNvCxnSpPr/>
+          <p:nvPr/>
+        </p:nvCxnSpPr>
+        <p:spPr>
+          <a:xfrm flipH="1" flipV="1">
+            <a:off x="990600" y="2438400"/>
+            <a:ext cx="152400" cy="304800"/>
+          </a:xfrm>
+          <a:prstGeom prst="line">
+            <a:avLst/>
+          </a:prstGeom>
+          <a:ln w="38100"/>
+        </p:spPr>
+        <p:style>
+          <a:lnRef idx="1">
+            <a:schemeClr val="accent1"/>
+          </a:lnRef>
+          <a:fillRef idx="0">
+            <a:schemeClr val="accent1"/>
+          </a:fillRef>
+          <a:effectRef idx="0">
+            <a:schemeClr val="accent1"/>
+          </a:effectRef>
+          <a:fontRef idx="minor">
+            <a:schemeClr val="tx1"/>
+          </a:fontRef>
+        </p:style>
+      </p:cxnSp>
+      <p:cxnSp>
+        <p:nvCxnSpPr>
+          <p:cNvPr id="15" name="Straight Connector 14"/>
+          <p:cNvCxnSpPr/>
+          <p:nvPr/>
+        </p:nvCxnSpPr>
+        <p:spPr>
+          <a:xfrm flipV="1">
+            <a:off x="762000" y="2438400"/>
+            <a:ext cx="228600" cy="304800"/>
+          </a:xfrm>
+          <a:prstGeom prst="line">
+            <a:avLst/>
+          </a:prstGeom>
+          <a:ln w="38100"/>
+        </p:spPr>
+        <p:style>
+          <a:lnRef idx="1">
+            <a:schemeClr val="accent1"/>
+          </a:lnRef>
+          <a:fillRef idx="0">
+            <a:schemeClr val="accent1"/>
+          </a:fillRef>
+          <a:effectRef idx="0">
+            <a:schemeClr val="accent1"/>
+          </a:effectRef>
+          <a:fontRef idx="minor">
+            <a:schemeClr val="tx1"/>
+          </a:fontRef>
+        </p:style>
+      </p:cxnSp>
+      <p:sp>
+        <p:nvSpPr>
+          <p:cNvPr id="17" name="Oval 16"/>
+          <p:cNvSpPr/>
+          <p:nvPr/>
+        </p:nvSpPr>
+        <p:spPr>
+          <a:xfrm>
+            <a:off x="2895600" y="2438400"/>
+            <a:ext cx="1676400" cy="762000"/>
+          </a:xfrm>
+          <a:prstGeom prst="ellipse">
+            <a:avLst/>
+          </a:prstGeom>
+          <a:noFill/>
+        </p:spPr>
+        <p:style>
+          <a:lnRef idx="2">
+            <a:schemeClr val="accent1">
+              <a:shade val="50000"/>
+            </a:schemeClr>
+          </a:lnRef>
+          <a:fillRef idx="1">
+            <a:schemeClr val="accent1"/>
+          </a:fillRef>
+          <a:effectRef idx="0">
+            <a:schemeClr val="accent1"/>
+          </a:effectRef>
+          <a:fontRef idx="minor">
+            <a:schemeClr val="lt1"/>
+          </a:fontRef>
+        </p:style>
+        <p:txBody>
+          <a:bodyPr rtlCol="0" anchor="ctr"/>
+          <a:lstStyle/>
+          <a:p>
+            <a:pPr algn="ctr"/>
+            <a:r>
+              <a:rPr lang="en-US" sz="1600" dirty="0" smtClean="0">
+                <a:solidFill>
+                  <a:schemeClr val="tx1"/>
+                </a:solidFill>
+              </a:rPr>
+              <a:t>Fill up form</a:t>
+            </a:r>
+            <a:endParaRPr lang="en-US" sz="1600" dirty="0">
+              <a:solidFill>
+                <a:schemeClr val="tx1"/>
+              </a:solidFill>
+            </a:endParaRPr>
+          </a:p>
+        </p:txBody>
+      </p:sp>
+      <p:cxnSp>
+        <p:nvCxnSpPr>
+          <p:cNvPr id="21" name="Straight Arrow Connector 20"/>
+          <p:cNvCxnSpPr>
+            <a:endCxn id="17" idx="2"/>
+          </p:cNvCxnSpPr>
+          <p:nvPr/>
+        </p:nvCxnSpPr>
+        <p:spPr>
+          <a:xfrm>
+            <a:off x="1371600" y="2286000"/>
+            <a:ext cx="1524000" cy="533400"/>
+          </a:xfrm>
+          <a:prstGeom prst="straightConnector1">
+            <a:avLst/>
+          </a:prstGeom>
+          <a:ln>
+            <a:tailEnd type="arrow"/>
+          </a:ln>
+        </p:spPr>
+        <p:style>
+          <a:lnRef idx="1">
+            <a:schemeClr val="accent1"/>
+          </a:lnRef>
+          <a:fillRef idx="0">
+            <a:schemeClr val="accent1"/>
+          </a:fillRef>
+          <a:effectRef idx="0">
+            <a:schemeClr val="accent1"/>
+          </a:effectRef>
+          <a:fontRef idx="minor">
+            <a:schemeClr val="tx1"/>
+          </a:fontRef>
+        </p:style>
+      </p:cxnSp>
+      <p:sp>
+        <p:nvSpPr>
+          <p:cNvPr id="22" name="TextBox 21"/>
+          <p:cNvSpPr txBox="1"/>
+          <p:nvPr/>
+        </p:nvSpPr>
+        <p:spPr>
+          <a:xfrm>
+            <a:off x="304800" y="2819400"/>
+            <a:ext cx="1447800" cy="369332"/>
+          </a:xfrm>
+          <a:prstGeom prst="rect">
+            <a:avLst/>
+          </a:prstGeom>
+          <a:noFill/>
+        </p:spPr>
+        <p:txBody>
+          <a:bodyPr wrap="square" rtlCol="0">
+            <a:spAutoFit/>
+          </a:bodyPr>
+          <a:lstStyle/>
+          <a:p>
+            <a:r>
+              <a:rPr lang="en-US" dirty="0" smtClean="0"/>
+              <a:t>Acc holder</a:t>
+            </a:r>
+            <a:endParaRPr lang="en-US" dirty="0"/>
+          </a:p>
+        </p:txBody>
+      </p:sp>
+      <p:sp>
+        <p:nvSpPr>
+          <p:cNvPr id="23" name="Oval 22"/>
+          <p:cNvSpPr/>
+          <p:nvPr/>
+        </p:nvSpPr>
+        <p:spPr>
+          <a:xfrm>
+            <a:off x="4953000" y="3276600"/>
+            <a:ext cx="1676400" cy="762000"/>
+          </a:xfrm>
+          <a:prstGeom prst="ellipse">
+            <a:avLst/>
+          </a:prstGeom>
+          <a:noFill/>
+        </p:spPr>
+        <p:style>
+          <a:lnRef idx="2">
+            <a:schemeClr val="accent1">
+              <a:shade val="50000"/>
+            </a:schemeClr>
+          </a:lnRef>
+          <a:fillRef idx="1">
+            <a:schemeClr val="accent1"/>
+          </a:fillRef>
+          <a:effectRef idx="0">
+            <a:schemeClr val="accent1"/>
+          </a:effectRef>
+          <a:fontRef idx="minor">
+            <a:schemeClr val="lt1"/>
+          </a:fontRef>
+        </p:style>
+        <p:txBody>
+          <a:bodyPr rtlCol="0" anchor="ctr"/>
+          <a:lstStyle/>
+          <a:p>
+            <a:pPr algn="ctr"/>
+            <a:r>
+              <a:rPr lang="en-US" sz="1600" dirty="0" smtClean="0">
+                <a:solidFill>
+                  <a:schemeClr val="tx1"/>
+                </a:solidFill>
+              </a:rPr>
+              <a:t>Create account</a:t>
+            </a:r>
+            <a:endParaRPr lang="en-US" sz="1600" dirty="0">
+              <a:solidFill>
+                <a:schemeClr val="tx1"/>
+              </a:solidFill>
+            </a:endParaRPr>
+          </a:p>
+        </p:txBody>
+      </p:sp>
+      <p:sp>
+        <p:nvSpPr>
+          <p:cNvPr id="25" name="Oval 24"/>
+          <p:cNvSpPr/>
+          <p:nvPr/>
+        </p:nvSpPr>
+        <p:spPr>
+          <a:xfrm>
+            <a:off x="8153400" y="1981200"/>
+            <a:ext cx="228600" cy="228600"/>
+          </a:xfrm>
+          <a:prstGeom prst="ellipse">
+            <a:avLst/>
+          </a:prstGeom>
+        </p:spPr>
+        <p:style>
+          <a:lnRef idx="2">
+            <a:schemeClr val="accent1">
+              <a:shade val="50000"/>
+            </a:schemeClr>
+          </a:lnRef>
+          <a:fillRef idx="1">
+            <a:schemeClr val="accent1"/>
+          </a:fillRef>
+          <a:effectRef idx="0">
+            <a:schemeClr val="accent1"/>
+          </a:effectRef>
+          <a:fontRef idx="minor">
+            <a:schemeClr val="lt1"/>
+          </a:fontRef>
+        </p:style>
+        <p:txBody>
+          <a:bodyPr rtlCol="0" anchor="ctr"/>
+          <a:lstStyle/>
+          <a:p>
+            <a:pPr algn="ctr"/>
+            <a:endParaRPr lang="en-US"/>
+          </a:p>
+        </p:txBody>
+      </p:sp>
+      <p:cxnSp>
+        <p:nvCxnSpPr>
+          <p:cNvPr id="26" name="Straight Connector 25"/>
+          <p:cNvCxnSpPr>
+            <a:stCxn id="25" idx="4"/>
+          </p:cNvCxnSpPr>
+          <p:nvPr/>
+        </p:nvCxnSpPr>
+        <p:spPr>
+          <a:xfrm flipH="1">
+            <a:off x="8229600" y="2209800"/>
+            <a:ext cx="38100" cy="609600"/>
+          </a:xfrm>
+          <a:prstGeom prst="line">
+            <a:avLst/>
+          </a:prstGeom>
+          <a:ln w="38100"/>
+        </p:spPr>
+        <p:style>
+          <a:lnRef idx="1">
+            <a:schemeClr val="accent1"/>
+          </a:lnRef>
+          <a:fillRef idx="0">
+            <a:schemeClr val="accent1"/>
+          </a:fillRef>
+          <a:effectRef idx="0">
+            <a:schemeClr val="accent1"/>
+          </a:effectRef>
+          <a:fontRef idx="minor">
+            <a:schemeClr val="tx1"/>
+          </a:fontRef>
+        </p:style>
+      </p:cxnSp>
+      <p:cxnSp>
+        <p:nvCxnSpPr>
+          <p:cNvPr id="27" name="Straight Connector 26"/>
+          <p:cNvCxnSpPr/>
+          <p:nvPr/>
+        </p:nvCxnSpPr>
+        <p:spPr>
+          <a:xfrm flipH="1">
+            <a:off x="8077200" y="2362200"/>
+            <a:ext cx="342900" cy="0"/>
+          </a:xfrm>
+          <a:prstGeom prst="line">
+            <a:avLst/>
+          </a:prstGeom>
+          <a:ln w="38100"/>
+        </p:spPr>
+        <p:style>
+          <a:lnRef idx="1">
+            <a:schemeClr val="accent1"/>
+          </a:lnRef>
+          <a:fillRef idx="0">
+            <a:schemeClr val="accent1"/>
+          </a:fillRef>
+          <a:effectRef idx="0">
+            <a:schemeClr val="accent1"/>
+          </a:effectRef>
+          <a:fontRef idx="minor">
+            <a:schemeClr val="tx1"/>
+          </a:fontRef>
+        </p:style>
+      </p:cxnSp>
+      <p:cxnSp>
+        <p:nvCxnSpPr>
+          <p:cNvPr id="28" name="Straight Connector 27"/>
+          <p:cNvCxnSpPr/>
+          <p:nvPr/>
+        </p:nvCxnSpPr>
+        <p:spPr>
+          <a:xfrm flipH="1" flipV="1">
+            <a:off x="8229600" y="2819400"/>
+            <a:ext cx="152400" cy="304800"/>
+          </a:xfrm>
+          <a:prstGeom prst="line">
+            <a:avLst/>
+          </a:prstGeom>
+          <a:ln w="38100"/>
+        </p:spPr>
+        <p:style>
+          <a:lnRef idx="1">
+            <a:schemeClr val="accent1"/>
+          </a:lnRef>
+          <a:fillRef idx="0">
+            <a:schemeClr val="accent1"/>
+          </a:fillRef>
+          <a:effectRef idx="0">
+            <a:schemeClr val="accent1"/>
+          </a:effectRef>
+          <a:fontRef idx="minor">
+            <a:schemeClr val="tx1"/>
+          </a:fontRef>
+        </p:style>
+      </p:cxnSp>
+      <p:cxnSp>
+        <p:nvCxnSpPr>
+          <p:cNvPr id="29" name="Straight Connector 28"/>
+          <p:cNvCxnSpPr/>
+          <p:nvPr/>
+        </p:nvCxnSpPr>
+        <p:spPr>
+          <a:xfrm flipV="1">
+            <a:off x="8001000" y="2819400"/>
+            <a:ext cx="228600" cy="304800"/>
+          </a:xfrm>
+          <a:prstGeom prst="line">
+            <a:avLst/>
+          </a:prstGeom>
+          <a:ln w="38100"/>
+        </p:spPr>
+        <p:style>
+          <a:lnRef idx="1">
+            <a:schemeClr val="accent1"/>
+          </a:lnRef>
+          <a:fillRef idx="0">
+            <a:schemeClr val="accent1"/>
+          </a:fillRef>
+          <a:effectRef idx="0">
+            <a:schemeClr val="accent1"/>
+          </a:effectRef>
+          <a:fontRef idx="minor">
+            <a:schemeClr val="tx1"/>
+          </a:fontRef>
+        </p:style>
+      </p:cxnSp>
+      <p:sp>
+        <p:nvSpPr>
+          <p:cNvPr id="30" name="TextBox 29"/>
+          <p:cNvSpPr txBox="1"/>
+          <p:nvPr/>
+        </p:nvSpPr>
+        <p:spPr>
+          <a:xfrm>
+            <a:off x="7391400" y="3276600"/>
+            <a:ext cx="1447800" cy="369332"/>
+          </a:xfrm>
+          <a:prstGeom prst="rect">
+            <a:avLst/>
+          </a:prstGeom>
+          <a:noFill/>
+        </p:spPr>
+        <p:txBody>
+          <a:bodyPr wrap="square" rtlCol="0">
+            <a:spAutoFit/>
+          </a:bodyPr>
+          <a:lstStyle/>
+          <a:p>
+            <a:r>
+              <a:rPr lang="en-US" dirty="0" smtClean="0"/>
+              <a:t>Officer</a:t>
+            </a:r>
+            <a:endParaRPr lang="en-US" dirty="0"/>
+          </a:p>
+        </p:txBody>
+      </p:sp>
+      <p:cxnSp>
+        <p:nvCxnSpPr>
+          <p:cNvPr id="32" name="Straight Arrow Connector 31"/>
+          <p:cNvCxnSpPr/>
+          <p:nvPr/>
+        </p:nvCxnSpPr>
+        <p:spPr>
+          <a:xfrm flipH="1">
+            <a:off x="6553200" y="2819400"/>
+            <a:ext cx="1371600" cy="609600"/>
+          </a:xfrm>
+          <a:prstGeom prst="straightConnector1">
+            <a:avLst/>
+          </a:prstGeom>
+          <a:ln>
+            <a:tailEnd type="arrow"/>
+          </a:ln>
+        </p:spPr>
+        <p:style>
+          <a:lnRef idx="1">
+            <a:schemeClr val="accent1"/>
+          </a:lnRef>
+          <a:fillRef idx="0">
+            <a:schemeClr val="accent1"/>
+          </a:fillRef>
+          <a:effectRef idx="0">
+            <a:schemeClr val="accent1"/>
+          </a:effectRef>
+          <a:fontRef idx="minor">
+            <a:schemeClr val="tx1"/>
+          </a:fontRef>
+        </p:style>
+      </p:cxnSp>
+      <p:sp>
+        <p:nvSpPr>
+          <p:cNvPr id="33" name="Oval 32"/>
+          <p:cNvSpPr/>
+          <p:nvPr/>
+        </p:nvSpPr>
+        <p:spPr>
+          <a:xfrm>
+            <a:off x="2667000" y="4267200"/>
+            <a:ext cx="1676400" cy="762000"/>
+          </a:xfrm>
+          <a:prstGeom prst="ellipse">
+            <a:avLst/>
+          </a:prstGeom>
+          <a:noFill/>
+        </p:spPr>
+        <p:style>
+          <a:lnRef idx="2">
+            <a:schemeClr val="accent1">
+              <a:shade val="50000"/>
+            </a:schemeClr>
+          </a:lnRef>
+          <a:fillRef idx="1">
+            <a:schemeClr val="accent1"/>
+          </a:fillRef>
+          <a:effectRef idx="0">
+            <a:schemeClr val="accent1"/>
+          </a:effectRef>
+          <a:fontRef idx="minor">
+            <a:schemeClr val="lt1"/>
+          </a:fontRef>
+        </p:style>
+        <p:txBody>
+          <a:bodyPr rtlCol="0" anchor="ctr"/>
+          <a:lstStyle/>
+          <a:p>
+            <a:pPr algn="ctr"/>
+            <a:r>
+              <a:rPr lang="en-US" sz="1600" dirty="0" smtClean="0">
+                <a:solidFill>
+                  <a:schemeClr val="tx1"/>
+                </a:solidFill>
+              </a:rPr>
+              <a:t>Select card type</a:t>
+            </a:r>
+            <a:endParaRPr lang="en-US" sz="1600" dirty="0">
+              <a:solidFill>
+                <a:schemeClr val="tx1"/>
+              </a:solidFill>
+            </a:endParaRPr>
+          </a:p>
+        </p:txBody>
+      </p:sp>
+      <p:cxnSp>
+        <p:nvCxnSpPr>
+          <p:cNvPr id="35" name="Straight Arrow Connector 34"/>
+          <p:cNvCxnSpPr>
+            <a:endCxn id="33" idx="2"/>
+          </p:cNvCxnSpPr>
+          <p:nvPr/>
+        </p:nvCxnSpPr>
+        <p:spPr>
+          <a:xfrm>
+            <a:off x="1447800" y="2743200"/>
+            <a:ext cx="1219200" cy="1905000"/>
+          </a:xfrm>
+          <a:prstGeom prst="straightConnector1">
+            <a:avLst/>
+          </a:prstGeom>
+          <a:ln>
+            <a:tailEnd type="arrow"/>
+          </a:ln>
+        </p:spPr>
+        <p:style>
+          <a:lnRef idx="1">
+            <a:schemeClr val="accent1"/>
+          </a:lnRef>
+          <a:fillRef idx="0">
+            <a:schemeClr val="accent1"/>
+          </a:fillRef>
+          <a:effectRef idx="0">
+            <a:schemeClr val="accent1"/>
+          </a:effectRef>
+          <a:fontRef idx="minor">
+            <a:schemeClr val="tx1"/>
+          </a:fontRef>
+        </p:style>
+      </p:cxnSp>
+      <p:sp>
+        <p:nvSpPr>
+          <p:cNvPr id="36" name="Oval 35"/>
+          <p:cNvSpPr/>
+          <p:nvPr/>
+        </p:nvSpPr>
+        <p:spPr>
+          <a:xfrm>
+            <a:off x="4876800" y="4495800"/>
+            <a:ext cx="1676400" cy="762000"/>
+          </a:xfrm>
+          <a:prstGeom prst="ellipse">
+            <a:avLst/>
+          </a:prstGeom>
+          <a:noFill/>
+        </p:spPr>
+        <p:style>
+          <a:lnRef idx="2">
+            <a:schemeClr val="accent1">
+              <a:shade val="50000"/>
+            </a:schemeClr>
+          </a:lnRef>
+          <a:fillRef idx="1">
+            <a:schemeClr val="accent1"/>
+          </a:fillRef>
+          <a:effectRef idx="0">
+            <a:schemeClr val="accent1"/>
+          </a:effectRef>
+          <a:fontRef idx="minor">
+            <a:schemeClr val="lt1"/>
+          </a:fontRef>
+        </p:style>
+        <p:txBody>
+          <a:bodyPr rtlCol="0" anchor="ctr"/>
+          <a:lstStyle/>
+          <a:p>
+            <a:pPr algn="ctr"/>
+            <a:r>
+              <a:rPr lang="en-US" sz="1600" dirty="0" smtClean="0">
+                <a:solidFill>
+                  <a:schemeClr val="tx1"/>
+                </a:solidFill>
+              </a:rPr>
+              <a:t>Add card info to the account</a:t>
+            </a:r>
+            <a:endParaRPr lang="en-US" sz="1600" dirty="0">
+              <a:solidFill>
+                <a:schemeClr val="tx1"/>
+              </a:solidFill>
+            </a:endParaRPr>
+          </a:p>
+        </p:txBody>
+      </p:sp>
+      <p:cxnSp>
+        <p:nvCxnSpPr>
+          <p:cNvPr id="38" name="Straight Arrow Connector 37"/>
+          <p:cNvCxnSpPr>
+            <a:endCxn id="36" idx="6"/>
+          </p:cNvCxnSpPr>
+          <p:nvPr/>
+        </p:nvCxnSpPr>
+        <p:spPr>
+          <a:xfrm flipH="1">
+            <a:off x="6553200" y="3657600"/>
+            <a:ext cx="1143000" cy="1219200"/>
+          </a:xfrm>
+          <a:prstGeom prst="straightConnector1">
+            <a:avLst/>
+          </a:prstGeom>
+          <a:ln>
+            <a:tailEnd type="arrow"/>
+          </a:ln>
+        </p:spPr>
+        <p:style>
+          <a:lnRef idx="1">
+            <a:schemeClr val="accent1"/>
+          </a:lnRef>
+          <a:fillRef idx="0">
+            <a:schemeClr val="accent1"/>
+          </a:fillRef>
+          <a:effectRef idx="0">
+            <a:schemeClr val="accent1"/>
+          </a:effectRef>
+          <a:fontRef idx="minor">
+            <a:schemeClr val="tx1"/>
+          </a:fontRef>
+        </p:style>
+      </p:cxnSp>
+      <p:cxnSp>
+        <p:nvCxnSpPr>
+          <p:cNvPr id="40" name="Straight Arrow Connector 39"/>
+          <p:cNvCxnSpPr/>
+          <p:nvPr/>
+        </p:nvCxnSpPr>
+        <p:spPr>
+          <a:xfrm flipH="1" flipV="1">
+            <a:off x="4419600" y="3048000"/>
+            <a:ext cx="609600" cy="457200"/>
+          </a:xfrm>
+          <a:prstGeom prst="straightConnector1">
+            <a:avLst/>
+          </a:prstGeom>
+          <a:ln>
+            <a:solidFill>
+              <a:srgbClr val="FF0000"/>
+            </a:solidFill>
+            <a:tailEnd type="arrow"/>
+          </a:ln>
+        </p:spPr>
+        <p:style>
+          <a:lnRef idx="1">
+            <a:schemeClr val="accent1"/>
+          </a:lnRef>
+          <a:fillRef idx="0">
+            <a:schemeClr val="accent1"/>
+          </a:fillRef>
+          <a:effectRef idx="0">
+            <a:schemeClr val="accent1"/>
+          </a:effectRef>
+          <a:fontRef idx="minor">
+            <a:schemeClr val="tx1"/>
+          </a:fontRef>
+        </p:style>
+      </p:cxnSp>
+      <p:sp>
+        <p:nvSpPr>
+          <p:cNvPr id="41" name="TextBox 40"/>
+          <p:cNvSpPr txBox="1"/>
+          <p:nvPr/>
+        </p:nvSpPr>
+        <p:spPr>
+          <a:xfrm>
+            <a:off x="4648200" y="2971800"/>
+            <a:ext cx="1752600" cy="338554"/>
+          </a:xfrm>
+          <a:prstGeom prst="rect">
+            <a:avLst/>
+          </a:prstGeom>
+          <a:noFill/>
+        </p:spPr>
+        <p:txBody>
+          <a:bodyPr wrap="square" rtlCol="0">
+            <a:spAutoFit/>
+          </a:bodyPr>
+          <a:lstStyle/>
+          <a:p>
+            <a:r>
+              <a:rPr lang="en-US" sz="1600" dirty="0" smtClean="0">
+                <a:solidFill>
+                  <a:srgbClr val="FF0000"/>
+                </a:solidFill>
+              </a:rPr>
+              <a:t>depends</a:t>
+            </a:r>
+            <a:endParaRPr lang="en-US" sz="1600" dirty="0">
+              <a:solidFill>
+                <a:srgbClr val="FF0000"/>
+              </a:solidFill>
+            </a:endParaRPr>
+          </a:p>
+        </p:txBody>
+      </p:sp>
+      <p:cxnSp>
+        <p:nvCxnSpPr>
+          <p:cNvPr id="42" name="Straight Arrow Connector 41"/>
+          <p:cNvCxnSpPr>
+            <a:stCxn id="36" idx="2"/>
+            <a:endCxn id="33" idx="6"/>
+          </p:cNvCxnSpPr>
+          <p:nvPr/>
+        </p:nvCxnSpPr>
+        <p:spPr>
+          <a:xfrm flipH="1" flipV="1">
+            <a:off x="4343400" y="4648200"/>
+            <a:ext cx="533400" cy="228600"/>
+          </a:xfrm>
+          <a:prstGeom prst="straightConnector1">
+            <a:avLst/>
+          </a:prstGeom>
+          <a:ln>
+            <a:solidFill>
+              <a:srgbClr val="FF0000"/>
+            </a:solidFill>
+            <a:tailEnd type="arrow"/>
+          </a:ln>
+        </p:spPr>
+        <p:style>
+          <a:lnRef idx="1">
+            <a:schemeClr val="accent1"/>
+          </a:lnRef>
+          <a:fillRef idx="0">
+            <a:schemeClr val="accent1"/>
+          </a:fillRef>
+          <a:effectRef idx="0">
+            <a:schemeClr val="accent1"/>
+          </a:effectRef>
+          <a:fontRef idx="minor">
+            <a:schemeClr val="tx1"/>
+          </a:fontRef>
+        </p:style>
+      </p:cxnSp>
+      <p:sp>
+        <p:nvSpPr>
+          <p:cNvPr id="45" name="TextBox 44"/>
+          <p:cNvSpPr txBox="1"/>
+          <p:nvPr/>
+        </p:nvSpPr>
+        <p:spPr>
+          <a:xfrm>
+            <a:off x="4267200" y="4343400"/>
+            <a:ext cx="1752600" cy="338554"/>
+          </a:xfrm>
+          <a:prstGeom prst="rect">
+            <a:avLst/>
+          </a:prstGeom>
+          <a:noFill/>
+        </p:spPr>
+        <p:txBody>
+          <a:bodyPr wrap="square" rtlCol="0">
+            <a:spAutoFit/>
+          </a:bodyPr>
+          <a:lstStyle/>
+          <a:p>
+            <a:r>
+              <a:rPr lang="en-US" sz="1600" dirty="0" smtClean="0">
+                <a:solidFill>
+                  <a:srgbClr val="FF0000"/>
+                </a:solidFill>
+              </a:rPr>
+              <a:t>depends</a:t>
+            </a:r>
+            <a:endParaRPr lang="en-US" sz="1600" dirty="0">
+              <a:solidFill>
+                <a:srgbClr val="FF0000"/>
+              </a:solidFill>
+            </a:endParaRPr>
+          </a:p>
+        </p:txBody>
+      </p:sp>
+      <p:sp>
+        <p:nvSpPr>
+          <p:cNvPr id="55" name="TextBox 54"/>
+          <p:cNvSpPr txBox="1"/>
+          <p:nvPr/>
+        </p:nvSpPr>
+        <p:spPr>
+          <a:xfrm>
+            <a:off x="1219200" y="304800"/>
+            <a:ext cx="6781800" cy="369332"/>
+          </a:xfrm>
+          <a:prstGeom prst="rect">
+            <a:avLst/>
+          </a:prstGeom>
+          <a:noFill/>
+        </p:spPr>
+        <p:txBody>
+          <a:bodyPr wrap="square" rtlCol="0">
+            <a:spAutoFit/>
+          </a:bodyPr>
+          <a:lstStyle/>
+          <a:p>
+            <a:r>
+              <a:rPr lang="en-US" dirty="0" smtClean="0"/>
+              <a:t>Use case diagram for account creation and Card allocation Module</a:t>
+            </a:r>
+            <a:endParaRPr lang="en-US" dirty="0"/>
+          </a:p>
+        </p:txBody>
+      </p:sp>
+    </p:spTree>
+  </p:cSld>
+  <p:clrMapOvr>
+    <a:masterClrMapping/>
+  </p:clrMapOvr>
+</p:sld>
+</file>
+
+<file path=ppt/slides/slide5.xml><?xml version="1.0" encoding="utf-8"?>
+<p:sld xmlns:a="http://schemas.openxmlformats.org/drawingml/2006/main" xmlns:r="http://schemas.openxmlformats.org/officeDocument/2006/relationships" xmlns:p="http://schemas.openxmlformats.org/presentationml/2006/main">
+  <p:cSld>
+    <p:spTree>
+      <p:nvGrpSpPr>
+        <p:cNvPr id="1" name=""/>
+        <p:cNvGrpSpPr/>
+        <p:nvPr/>
+      </p:nvGrpSpPr>
+      <p:grpSpPr>
+        <a:xfrm>
+          <a:off x="0" y="0"/>
+          <a:ext cx="0" cy="0"/>
+          <a:chOff x="0" y="0"/>
+          <a:chExt cx="0" cy="0"/>
+        </a:xfrm>
+      </p:grpSpPr>
+      <p:sp>
+        <p:nvSpPr>
+          <p:cNvPr id="4" name="Rectangle 3"/>
+          <p:cNvSpPr/>
+          <p:nvPr/>
+        </p:nvSpPr>
+        <p:spPr>
+          <a:xfrm>
+            <a:off x="2362200" y="1524000"/>
+            <a:ext cx="4724400" cy="4419600"/>
+          </a:xfrm>
+          <a:prstGeom prst="rect">
+            <a:avLst/>
+          </a:prstGeom>
+          <a:solidFill>
+            <a:schemeClr val="bg1"/>
+          </a:solidFill>
+        </p:spPr>
+        <p:style>
+          <a:lnRef idx="2">
+            <a:schemeClr val="accent1">
+              <a:shade val="50000"/>
+            </a:schemeClr>
+          </a:lnRef>
+          <a:fillRef idx="1">
+            <a:schemeClr val="accent1"/>
+          </a:fillRef>
+          <a:effectRef idx="0">
+            <a:schemeClr val="accent1"/>
+          </a:effectRef>
+          <a:fontRef idx="minor">
+            <a:schemeClr val="lt1"/>
+          </a:fontRef>
+        </p:style>
+        <p:txBody>
+          <a:bodyPr rtlCol="0" anchor="ctr"/>
+          <a:lstStyle/>
+          <a:p>
+            <a:pPr algn="ctr"/>
+            <a:endParaRPr lang="en-US" dirty="0"/>
+          </a:p>
+        </p:txBody>
+      </p:sp>
+      <p:sp>
+        <p:nvSpPr>
+          <p:cNvPr id="5" name="Oval 4"/>
+          <p:cNvSpPr/>
+          <p:nvPr/>
+        </p:nvSpPr>
+        <p:spPr>
+          <a:xfrm>
+            <a:off x="914400" y="1524000"/>
+            <a:ext cx="228600" cy="228600"/>
+          </a:xfrm>
+          <a:prstGeom prst="ellipse">
+            <a:avLst/>
+          </a:prstGeom>
+        </p:spPr>
+        <p:style>
+          <a:lnRef idx="2">
+            <a:schemeClr val="accent1">
+              <a:shade val="50000"/>
+            </a:schemeClr>
+          </a:lnRef>
+          <a:fillRef idx="1">
+            <a:schemeClr val="accent1"/>
+          </a:fillRef>
+          <a:effectRef idx="0">
+            <a:schemeClr val="accent1"/>
+          </a:effectRef>
+          <a:fontRef idx="minor">
+            <a:schemeClr val="lt1"/>
+          </a:fontRef>
+        </p:style>
+        <p:txBody>
+          <a:bodyPr rtlCol="0" anchor="ctr"/>
+          <a:lstStyle/>
+          <a:p>
+            <a:pPr algn="ctr"/>
+            <a:endParaRPr lang="en-US"/>
+          </a:p>
+        </p:txBody>
+      </p:sp>
+      <p:cxnSp>
+        <p:nvCxnSpPr>
+          <p:cNvPr id="7" name="Straight Connector 6"/>
+          <p:cNvCxnSpPr>
+            <a:stCxn id="5" idx="4"/>
+          </p:cNvCxnSpPr>
+          <p:nvPr/>
+        </p:nvCxnSpPr>
+        <p:spPr>
+          <a:xfrm flipH="1">
+            <a:off x="990600" y="1752600"/>
+            <a:ext cx="38100" cy="609600"/>
+          </a:xfrm>
+          <a:prstGeom prst="line">
+            <a:avLst/>
+          </a:prstGeom>
+          <a:ln w="38100"/>
+        </p:spPr>
+        <p:style>
+          <a:lnRef idx="1">
+            <a:schemeClr val="accent1"/>
+          </a:lnRef>
+          <a:fillRef idx="0">
+            <a:schemeClr val="accent1"/>
+          </a:fillRef>
+          <a:effectRef idx="0">
+            <a:schemeClr val="accent1"/>
+          </a:effectRef>
+          <a:fontRef idx="minor">
+            <a:schemeClr val="tx1"/>
+          </a:fontRef>
+        </p:style>
+      </p:cxnSp>
+      <p:cxnSp>
+        <p:nvCxnSpPr>
+          <p:cNvPr id="9" name="Straight Connector 8"/>
+          <p:cNvCxnSpPr/>
+          <p:nvPr/>
+        </p:nvCxnSpPr>
+        <p:spPr>
+          <a:xfrm flipH="1">
+            <a:off x="838200" y="1905000"/>
+            <a:ext cx="342900" cy="0"/>
+          </a:xfrm>
+          <a:prstGeom prst="line">
+            <a:avLst/>
+          </a:prstGeom>
+          <a:ln w="38100"/>
+        </p:spPr>
+        <p:style>
+          <a:lnRef idx="1">
+            <a:schemeClr val="accent1"/>
+          </a:lnRef>
+          <a:fillRef idx="0">
+            <a:schemeClr val="accent1"/>
+          </a:fillRef>
+          <a:effectRef idx="0">
+            <a:schemeClr val="accent1"/>
+          </a:effectRef>
+          <a:fontRef idx="minor">
+            <a:schemeClr val="tx1"/>
+          </a:fontRef>
+        </p:style>
+      </p:cxnSp>
+      <p:cxnSp>
+        <p:nvCxnSpPr>
+          <p:cNvPr id="12" name="Straight Connector 11"/>
+          <p:cNvCxnSpPr/>
+          <p:nvPr/>
+        </p:nvCxnSpPr>
+        <p:spPr>
+          <a:xfrm flipH="1" flipV="1">
+            <a:off x="990600" y="2362200"/>
+            <a:ext cx="152400" cy="304800"/>
+          </a:xfrm>
+          <a:prstGeom prst="line">
+            <a:avLst/>
+          </a:prstGeom>
+          <a:ln w="38100"/>
+        </p:spPr>
+        <p:style>
+          <a:lnRef idx="1">
+            <a:schemeClr val="accent1"/>
+          </a:lnRef>
+          <a:fillRef idx="0">
+            <a:schemeClr val="accent1"/>
+          </a:fillRef>
+          <a:effectRef idx="0">
+            <a:schemeClr val="accent1"/>
+          </a:effectRef>
+          <a:fontRef idx="minor">
+            <a:schemeClr val="tx1"/>
+          </a:fontRef>
+        </p:style>
+      </p:cxnSp>
+      <p:cxnSp>
+        <p:nvCxnSpPr>
+          <p:cNvPr id="15" name="Straight Connector 14"/>
+          <p:cNvCxnSpPr/>
+          <p:nvPr/>
+        </p:nvCxnSpPr>
+        <p:spPr>
+          <a:xfrm flipV="1">
+            <a:off x="762000" y="2362200"/>
+            <a:ext cx="228600" cy="304800"/>
+          </a:xfrm>
+          <a:prstGeom prst="line">
+            <a:avLst/>
+          </a:prstGeom>
+          <a:ln w="38100"/>
+        </p:spPr>
+        <p:style>
+          <a:lnRef idx="1">
+            <a:schemeClr val="accent1"/>
+          </a:lnRef>
+          <a:fillRef idx="0">
+            <a:schemeClr val="accent1"/>
+          </a:fillRef>
+          <a:effectRef idx="0">
+            <a:schemeClr val="accent1"/>
+          </a:effectRef>
+          <a:fontRef idx="minor">
+            <a:schemeClr val="tx1"/>
+          </a:fontRef>
+        </p:style>
+      </p:cxnSp>
+      <p:sp>
+        <p:nvSpPr>
+          <p:cNvPr id="17" name="Oval 16"/>
+          <p:cNvSpPr/>
+          <p:nvPr/>
+        </p:nvSpPr>
+        <p:spPr>
+          <a:xfrm>
+            <a:off x="2895600" y="2362200"/>
+            <a:ext cx="1676400" cy="762000"/>
+          </a:xfrm>
+          <a:prstGeom prst="ellipse">
+            <a:avLst/>
+          </a:prstGeom>
+          <a:noFill/>
+        </p:spPr>
+        <p:style>
+          <a:lnRef idx="2">
+            <a:schemeClr val="accent1">
+              <a:shade val="50000"/>
+            </a:schemeClr>
+          </a:lnRef>
+          <a:fillRef idx="1">
+            <a:schemeClr val="accent1"/>
+          </a:fillRef>
+          <a:effectRef idx="0">
+            <a:schemeClr val="accent1"/>
+          </a:effectRef>
+          <a:fontRef idx="minor">
+            <a:schemeClr val="lt1"/>
+          </a:fontRef>
+        </p:style>
+        <p:txBody>
+          <a:bodyPr rtlCol="0" anchor="ctr"/>
+          <a:lstStyle/>
+          <a:p>
+            <a:pPr algn="ctr"/>
+            <a:r>
+              <a:rPr lang="en-US" sz="1600" dirty="0" smtClean="0">
+                <a:solidFill>
+                  <a:schemeClr val="tx1"/>
+                </a:solidFill>
+              </a:rPr>
+              <a:t>Deposit money</a:t>
+            </a:r>
+            <a:endParaRPr lang="en-US" sz="1600" dirty="0">
+              <a:solidFill>
+                <a:schemeClr val="tx1"/>
+              </a:solidFill>
+            </a:endParaRPr>
+          </a:p>
+        </p:txBody>
+      </p:sp>
+      <p:cxnSp>
+        <p:nvCxnSpPr>
+          <p:cNvPr id="21" name="Straight Arrow Connector 20"/>
+          <p:cNvCxnSpPr>
+            <a:endCxn id="17" idx="2"/>
+          </p:cNvCxnSpPr>
+          <p:nvPr/>
+        </p:nvCxnSpPr>
+        <p:spPr>
+          <a:xfrm>
+            <a:off x="1371600" y="2209800"/>
+            <a:ext cx="1524000" cy="533400"/>
+          </a:xfrm>
+          <a:prstGeom prst="straightConnector1">
+            <a:avLst/>
+          </a:prstGeom>
+          <a:ln>
+            <a:tailEnd type="arrow"/>
+          </a:ln>
+        </p:spPr>
+        <p:style>
+          <a:lnRef idx="1">
+            <a:schemeClr val="accent1"/>
+          </a:lnRef>
+          <a:fillRef idx="0">
+            <a:schemeClr val="accent1"/>
+          </a:fillRef>
+          <a:effectRef idx="0">
+            <a:schemeClr val="accent1"/>
+          </a:effectRef>
+          <a:fontRef idx="minor">
+            <a:schemeClr val="tx1"/>
+          </a:fontRef>
+        </p:style>
+      </p:cxnSp>
+      <p:sp>
+        <p:nvSpPr>
+          <p:cNvPr id="22" name="TextBox 21"/>
+          <p:cNvSpPr txBox="1"/>
+          <p:nvPr/>
+        </p:nvSpPr>
+        <p:spPr>
+          <a:xfrm>
+            <a:off x="304800" y="2743200"/>
+            <a:ext cx="1447800" cy="369332"/>
+          </a:xfrm>
+          <a:prstGeom prst="rect">
+            <a:avLst/>
+          </a:prstGeom>
+          <a:noFill/>
+        </p:spPr>
+        <p:txBody>
+          <a:bodyPr wrap="square" rtlCol="0">
+            <a:spAutoFit/>
+          </a:bodyPr>
+          <a:lstStyle/>
+          <a:p>
+            <a:r>
+              <a:rPr lang="en-US" dirty="0" smtClean="0"/>
+              <a:t>Acc holder</a:t>
+            </a:r>
+            <a:endParaRPr lang="en-US" dirty="0"/>
+          </a:p>
+        </p:txBody>
+      </p:sp>
+      <p:sp>
+        <p:nvSpPr>
+          <p:cNvPr id="23" name="Oval 22"/>
+          <p:cNvSpPr/>
+          <p:nvPr/>
+        </p:nvSpPr>
+        <p:spPr>
+          <a:xfrm>
+            <a:off x="4953000" y="3200400"/>
+            <a:ext cx="1676400" cy="762000"/>
+          </a:xfrm>
+          <a:prstGeom prst="ellipse">
+            <a:avLst/>
+          </a:prstGeom>
+          <a:noFill/>
+        </p:spPr>
+        <p:style>
+          <a:lnRef idx="2">
+            <a:schemeClr val="accent1">
+              <a:shade val="50000"/>
+            </a:schemeClr>
+          </a:lnRef>
+          <a:fillRef idx="1">
+            <a:schemeClr val="accent1"/>
+          </a:fillRef>
+          <a:effectRef idx="0">
+            <a:schemeClr val="accent1"/>
+          </a:effectRef>
+          <a:fontRef idx="minor">
+            <a:schemeClr val="lt1"/>
+          </a:fontRef>
+        </p:style>
+        <p:txBody>
+          <a:bodyPr rtlCol="0" anchor="ctr"/>
+          <a:lstStyle/>
+          <a:p>
+            <a:pPr algn="ctr"/>
+            <a:r>
+              <a:rPr lang="en-US" sz="1600" dirty="0" smtClean="0">
+                <a:solidFill>
+                  <a:schemeClr val="tx1"/>
+                </a:solidFill>
+              </a:rPr>
+              <a:t>Update balance</a:t>
+            </a:r>
+            <a:endParaRPr lang="en-US" sz="1600" dirty="0">
+              <a:solidFill>
+                <a:schemeClr val="tx1"/>
+              </a:solidFill>
+            </a:endParaRPr>
+          </a:p>
+        </p:txBody>
+      </p:sp>
+      <p:sp>
+        <p:nvSpPr>
+          <p:cNvPr id="25" name="Oval 24"/>
+          <p:cNvSpPr/>
+          <p:nvPr/>
+        </p:nvSpPr>
+        <p:spPr>
+          <a:xfrm>
+            <a:off x="8229600" y="2590800"/>
+            <a:ext cx="228600" cy="228600"/>
+          </a:xfrm>
+          <a:prstGeom prst="ellipse">
+            <a:avLst/>
+          </a:prstGeom>
+        </p:spPr>
+        <p:style>
+          <a:lnRef idx="2">
+            <a:schemeClr val="accent1">
+              <a:shade val="50000"/>
+            </a:schemeClr>
+          </a:lnRef>
+          <a:fillRef idx="1">
+            <a:schemeClr val="accent1"/>
+          </a:fillRef>
+          <a:effectRef idx="0">
+            <a:schemeClr val="accent1"/>
+          </a:effectRef>
+          <a:fontRef idx="minor">
+            <a:schemeClr val="lt1"/>
+          </a:fontRef>
+        </p:style>
+        <p:txBody>
+          <a:bodyPr rtlCol="0" anchor="ctr"/>
+          <a:lstStyle/>
+          <a:p>
+            <a:pPr algn="ctr"/>
+            <a:endParaRPr lang="en-US"/>
+          </a:p>
+        </p:txBody>
+      </p:sp>
+      <p:cxnSp>
+        <p:nvCxnSpPr>
+          <p:cNvPr id="26" name="Straight Connector 25"/>
+          <p:cNvCxnSpPr>
+            <a:stCxn id="25" idx="4"/>
+          </p:cNvCxnSpPr>
+          <p:nvPr/>
+        </p:nvCxnSpPr>
+        <p:spPr>
+          <a:xfrm flipH="1">
+            <a:off x="8305800" y="2819400"/>
+            <a:ext cx="38100" cy="609600"/>
+          </a:xfrm>
+          <a:prstGeom prst="line">
+            <a:avLst/>
+          </a:prstGeom>
+          <a:ln w="38100"/>
+        </p:spPr>
+        <p:style>
+          <a:lnRef idx="1">
+            <a:schemeClr val="accent1"/>
+          </a:lnRef>
+          <a:fillRef idx="0">
+            <a:schemeClr val="accent1"/>
+          </a:fillRef>
+          <a:effectRef idx="0">
+            <a:schemeClr val="accent1"/>
+          </a:effectRef>
+          <a:fontRef idx="minor">
+            <a:schemeClr val="tx1"/>
+          </a:fontRef>
+        </p:style>
+      </p:cxnSp>
+      <p:cxnSp>
+        <p:nvCxnSpPr>
+          <p:cNvPr id="27" name="Straight Connector 26"/>
+          <p:cNvCxnSpPr/>
+          <p:nvPr/>
+        </p:nvCxnSpPr>
+        <p:spPr>
+          <a:xfrm flipH="1">
+            <a:off x="8153400" y="2971800"/>
+            <a:ext cx="342900" cy="0"/>
+          </a:xfrm>
+          <a:prstGeom prst="line">
+            <a:avLst/>
+          </a:prstGeom>
+          <a:ln w="38100"/>
+        </p:spPr>
+        <p:style>
+          <a:lnRef idx="1">
+            <a:schemeClr val="accent1"/>
+          </a:lnRef>
+          <a:fillRef idx="0">
+            <a:schemeClr val="accent1"/>
+          </a:fillRef>
+          <a:effectRef idx="0">
+            <a:schemeClr val="accent1"/>
+          </a:effectRef>
+          <a:fontRef idx="minor">
+            <a:schemeClr val="tx1"/>
+          </a:fontRef>
+        </p:style>
+      </p:cxnSp>
+      <p:cxnSp>
+        <p:nvCxnSpPr>
+          <p:cNvPr id="28" name="Straight Connector 27"/>
+          <p:cNvCxnSpPr/>
+          <p:nvPr/>
+        </p:nvCxnSpPr>
+        <p:spPr>
+          <a:xfrm flipH="1" flipV="1">
+            <a:off x="8305800" y="3429000"/>
+            <a:ext cx="152400" cy="304800"/>
+          </a:xfrm>
+          <a:prstGeom prst="line">
+            <a:avLst/>
+          </a:prstGeom>
+          <a:ln w="38100"/>
+        </p:spPr>
+        <p:style>
+          <a:lnRef idx="1">
+            <a:schemeClr val="accent1"/>
+          </a:lnRef>
+          <a:fillRef idx="0">
+            <a:schemeClr val="accent1"/>
+          </a:fillRef>
+          <a:effectRef idx="0">
+            <a:schemeClr val="accent1"/>
+          </a:effectRef>
+          <a:fontRef idx="minor">
+            <a:schemeClr val="tx1"/>
+          </a:fontRef>
+        </p:style>
+      </p:cxnSp>
+      <p:cxnSp>
+        <p:nvCxnSpPr>
+          <p:cNvPr id="29" name="Straight Connector 28"/>
+          <p:cNvCxnSpPr/>
+          <p:nvPr/>
+        </p:nvCxnSpPr>
+        <p:spPr>
+          <a:xfrm flipV="1">
+            <a:off x="8077200" y="3429000"/>
+            <a:ext cx="228600" cy="304800"/>
+          </a:xfrm>
+          <a:prstGeom prst="line">
+            <a:avLst/>
+          </a:prstGeom>
+          <a:ln w="38100"/>
+        </p:spPr>
+        <p:style>
+          <a:lnRef idx="1">
+            <a:schemeClr val="accent1"/>
+          </a:lnRef>
+          <a:fillRef idx="0">
+            <a:schemeClr val="accent1"/>
+          </a:fillRef>
+          <a:effectRef idx="0">
+            <a:schemeClr val="accent1"/>
+          </a:effectRef>
+          <a:fontRef idx="minor">
+            <a:schemeClr val="tx1"/>
+          </a:fontRef>
+        </p:style>
+      </p:cxnSp>
+      <p:sp>
+        <p:nvSpPr>
+          <p:cNvPr id="30" name="TextBox 29"/>
+          <p:cNvSpPr txBox="1"/>
+          <p:nvPr/>
+        </p:nvSpPr>
+        <p:spPr>
+          <a:xfrm>
+            <a:off x="8001000" y="3733800"/>
+            <a:ext cx="1447800" cy="369332"/>
+          </a:xfrm>
+          <a:prstGeom prst="rect">
+            <a:avLst/>
+          </a:prstGeom>
+          <a:noFill/>
+        </p:spPr>
+        <p:txBody>
+          <a:bodyPr wrap="square" rtlCol="0">
+            <a:spAutoFit/>
+          </a:bodyPr>
+          <a:lstStyle/>
+          <a:p>
+            <a:r>
+              <a:rPr lang="en-US" dirty="0" smtClean="0"/>
+              <a:t>Officer</a:t>
+            </a:r>
+            <a:endParaRPr lang="en-US" dirty="0"/>
+          </a:p>
+        </p:txBody>
+      </p:sp>
+      <p:cxnSp>
+        <p:nvCxnSpPr>
+          <p:cNvPr id="32" name="Straight Arrow Connector 31"/>
+          <p:cNvCxnSpPr>
+            <a:endCxn id="23" idx="6"/>
+          </p:cNvCxnSpPr>
+          <p:nvPr/>
+        </p:nvCxnSpPr>
+        <p:spPr>
+          <a:xfrm flipH="1">
+            <a:off x="6629400" y="3352800"/>
+            <a:ext cx="1295400" cy="228600"/>
+          </a:xfrm>
+          <a:prstGeom prst="straightConnector1">
+            <a:avLst/>
+          </a:prstGeom>
+          <a:ln>
+            <a:tailEnd type="arrow"/>
+          </a:ln>
+        </p:spPr>
+        <p:style>
+          <a:lnRef idx="1">
+            <a:schemeClr val="accent1"/>
+          </a:lnRef>
+          <a:fillRef idx="0">
+            <a:schemeClr val="accent1"/>
+          </a:fillRef>
+          <a:effectRef idx="0">
+            <a:schemeClr val="accent1"/>
+          </a:effectRef>
+          <a:fontRef idx="minor">
+            <a:schemeClr val="tx1"/>
+          </a:fontRef>
+        </p:style>
+      </p:cxnSp>
+      <p:sp>
+        <p:nvSpPr>
+          <p:cNvPr id="33" name="Oval 32"/>
+          <p:cNvSpPr/>
+          <p:nvPr/>
+        </p:nvSpPr>
+        <p:spPr>
+          <a:xfrm>
+            <a:off x="2667000" y="4191000"/>
+            <a:ext cx="1676400" cy="762000"/>
+          </a:xfrm>
+          <a:prstGeom prst="ellipse">
+            <a:avLst/>
+          </a:prstGeom>
+          <a:noFill/>
+        </p:spPr>
+        <p:style>
+          <a:lnRef idx="2">
+            <a:schemeClr val="accent1">
+              <a:shade val="50000"/>
+            </a:schemeClr>
+          </a:lnRef>
+          <a:fillRef idx="1">
+            <a:schemeClr val="accent1"/>
+          </a:fillRef>
+          <a:effectRef idx="0">
+            <a:schemeClr val="accent1"/>
+          </a:effectRef>
+          <a:fontRef idx="minor">
+            <a:schemeClr val="lt1"/>
+          </a:fontRef>
+        </p:style>
+        <p:txBody>
+          <a:bodyPr rtlCol="0" anchor="ctr"/>
+          <a:lstStyle/>
+          <a:p>
+            <a:pPr algn="ctr"/>
+            <a:r>
+              <a:rPr lang="en-US" sz="1600" dirty="0" smtClean="0">
+                <a:solidFill>
+                  <a:schemeClr val="tx1"/>
+                </a:solidFill>
+              </a:rPr>
+              <a:t>Punch card</a:t>
+            </a:r>
+            <a:endParaRPr lang="en-US" sz="1600" dirty="0">
+              <a:solidFill>
+                <a:schemeClr val="tx1"/>
+              </a:solidFill>
+            </a:endParaRPr>
+          </a:p>
+        </p:txBody>
+      </p:sp>
+      <p:cxnSp>
+        <p:nvCxnSpPr>
+          <p:cNvPr id="35" name="Straight Arrow Connector 34"/>
+          <p:cNvCxnSpPr>
+            <a:endCxn id="33" idx="2"/>
+          </p:cNvCxnSpPr>
+          <p:nvPr/>
+        </p:nvCxnSpPr>
+        <p:spPr>
+          <a:xfrm>
+            <a:off x="1447800" y="2667000"/>
+            <a:ext cx="1219200" cy="1905000"/>
+          </a:xfrm>
+          <a:prstGeom prst="straightConnector1">
+            <a:avLst/>
+          </a:prstGeom>
+          <a:ln>
+            <a:tailEnd type="arrow"/>
+          </a:ln>
+        </p:spPr>
+        <p:style>
+          <a:lnRef idx="1">
+            <a:schemeClr val="accent1"/>
+          </a:lnRef>
+          <a:fillRef idx="0">
+            <a:schemeClr val="accent1"/>
+          </a:fillRef>
+          <a:effectRef idx="0">
+            <a:schemeClr val="accent1"/>
+          </a:effectRef>
+          <a:fontRef idx="minor">
+            <a:schemeClr val="tx1"/>
+          </a:fontRef>
+        </p:style>
+      </p:cxnSp>
+      <p:sp>
+        <p:nvSpPr>
+          <p:cNvPr id="36" name="Oval 35"/>
+          <p:cNvSpPr/>
+          <p:nvPr/>
+        </p:nvSpPr>
+        <p:spPr>
+          <a:xfrm>
+            <a:off x="4648200" y="4419600"/>
+            <a:ext cx="2057400" cy="1066800"/>
+          </a:xfrm>
+          <a:prstGeom prst="ellipse">
+            <a:avLst/>
+          </a:prstGeom>
+          <a:noFill/>
+        </p:spPr>
+        <p:style>
+          <a:lnRef idx="2">
+            <a:schemeClr val="accent1">
+              <a:shade val="50000"/>
+            </a:schemeClr>
+          </a:lnRef>
+          <a:fillRef idx="1">
+            <a:schemeClr val="accent1"/>
+          </a:fillRef>
+          <a:effectRef idx="0">
+            <a:schemeClr val="accent1"/>
+          </a:effectRef>
+          <a:fontRef idx="minor">
+            <a:schemeClr val="lt1"/>
+          </a:fontRef>
+        </p:style>
+        <p:txBody>
+          <a:bodyPr rtlCol="0" anchor="ctr"/>
+          <a:lstStyle/>
+          <a:p>
+            <a:pPr algn="ctr"/>
+            <a:r>
+              <a:rPr lang="en-US" sz="1600" dirty="0" smtClean="0">
+                <a:solidFill>
+                  <a:schemeClr val="tx1"/>
+                </a:solidFill>
+              </a:rPr>
+              <a:t>Response and send info to system</a:t>
+            </a:r>
+            <a:endParaRPr lang="en-US" sz="1600" dirty="0">
+              <a:solidFill>
+                <a:schemeClr val="tx1"/>
+              </a:solidFill>
+            </a:endParaRPr>
+          </a:p>
+        </p:txBody>
+      </p:sp>
+      <p:cxnSp>
+        <p:nvCxnSpPr>
+          <p:cNvPr id="38" name="Straight Arrow Connector 37"/>
+          <p:cNvCxnSpPr/>
+          <p:nvPr/>
+        </p:nvCxnSpPr>
+        <p:spPr>
+          <a:xfrm flipH="1">
+            <a:off x="6705600" y="4800600"/>
+            <a:ext cx="1143000" cy="76200"/>
+          </a:xfrm>
+          <a:prstGeom prst="straightConnector1">
+            <a:avLst/>
+          </a:prstGeom>
+          <a:ln>
+            <a:tailEnd type="arrow"/>
+          </a:ln>
+        </p:spPr>
+        <p:style>
+          <a:lnRef idx="1">
+            <a:schemeClr val="accent1"/>
+          </a:lnRef>
+          <a:fillRef idx="0">
+            <a:schemeClr val="accent1"/>
+          </a:fillRef>
+          <a:effectRef idx="0">
+            <a:schemeClr val="accent1"/>
+          </a:effectRef>
+          <a:fontRef idx="minor">
+            <a:schemeClr val="tx1"/>
+          </a:fontRef>
+        </p:style>
+      </p:cxnSp>
+      <p:cxnSp>
+        <p:nvCxnSpPr>
+          <p:cNvPr id="40" name="Straight Arrow Connector 39"/>
+          <p:cNvCxnSpPr/>
+          <p:nvPr/>
+        </p:nvCxnSpPr>
+        <p:spPr>
+          <a:xfrm flipH="1" flipV="1">
+            <a:off x="4419600" y="2971800"/>
+            <a:ext cx="609600" cy="457200"/>
+          </a:xfrm>
+          <a:prstGeom prst="straightConnector1">
+            <a:avLst/>
+          </a:prstGeom>
+          <a:ln>
+            <a:solidFill>
+              <a:srgbClr val="FF0000"/>
+            </a:solidFill>
+            <a:tailEnd type="arrow"/>
+          </a:ln>
+        </p:spPr>
+        <p:style>
+          <a:lnRef idx="1">
+            <a:schemeClr val="accent1"/>
+          </a:lnRef>
+          <a:fillRef idx="0">
+            <a:schemeClr val="accent1"/>
+          </a:fillRef>
+          <a:effectRef idx="0">
+            <a:schemeClr val="accent1"/>
+          </a:effectRef>
+          <a:fontRef idx="minor">
+            <a:schemeClr val="tx1"/>
+          </a:fontRef>
+        </p:style>
+      </p:cxnSp>
+      <p:sp>
+        <p:nvSpPr>
+          <p:cNvPr id="41" name="TextBox 40"/>
+          <p:cNvSpPr txBox="1"/>
+          <p:nvPr/>
+        </p:nvSpPr>
+        <p:spPr>
+          <a:xfrm>
+            <a:off x="4648200" y="2895600"/>
+            <a:ext cx="1752600" cy="338554"/>
+          </a:xfrm>
+          <a:prstGeom prst="rect">
+            <a:avLst/>
+          </a:prstGeom>
+          <a:noFill/>
+        </p:spPr>
+        <p:txBody>
+          <a:bodyPr wrap="square" rtlCol="0">
+            <a:spAutoFit/>
+          </a:bodyPr>
+          <a:lstStyle/>
+          <a:p>
+            <a:r>
+              <a:rPr lang="en-US" sz="1600" dirty="0" smtClean="0">
+                <a:solidFill>
+                  <a:srgbClr val="FF0000"/>
+                </a:solidFill>
+              </a:rPr>
+              <a:t>depends</a:t>
+            </a:r>
+            <a:endParaRPr lang="en-US" sz="1600" dirty="0">
+              <a:solidFill>
+                <a:srgbClr val="FF0000"/>
+              </a:solidFill>
+            </a:endParaRPr>
+          </a:p>
+        </p:txBody>
+      </p:sp>
+      <p:cxnSp>
+        <p:nvCxnSpPr>
+          <p:cNvPr id="42" name="Straight Arrow Connector 41"/>
+          <p:cNvCxnSpPr/>
+          <p:nvPr/>
+        </p:nvCxnSpPr>
+        <p:spPr>
+          <a:xfrm flipH="1">
+            <a:off x="6096000" y="2286000"/>
+            <a:ext cx="304800" cy="914400"/>
+          </a:xfrm>
+          <a:prstGeom prst="straightConnector1">
+            <a:avLst/>
+          </a:prstGeom>
+          <a:ln>
+            <a:solidFill>
+              <a:srgbClr val="FF0000"/>
+            </a:solidFill>
+            <a:tailEnd type="arrow"/>
+          </a:ln>
+        </p:spPr>
+        <p:style>
+          <a:lnRef idx="1">
+            <a:schemeClr val="accent1"/>
+          </a:lnRef>
+          <a:fillRef idx="0">
+            <a:schemeClr val="accent1"/>
+          </a:fillRef>
+          <a:effectRef idx="0">
+            <a:schemeClr val="accent1"/>
+          </a:effectRef>
+          <a:fontRef idx="minor">
+            <a:schemeClr val="tx1"/>
+          </a:fontRef>
+        </p:style>
+      </p:cxnSp>
+      <p:sp>
+        <p:nvSpPr>
+          <p:cNvPr id="45" name="TextBox 44"/>
+          <p:cNvSpPr txBox="1"/>
+          <p:nvPr/>
+        </p:nvSpPr>
+        <p:spPr>
+          <a:xfrm>
+            <a:off x="4267200" y="4267200"/>
+            <a:ext cx="1752600" cy="338554"/>
+          </a:xfrm>
+          <a:prstGeom prst="rect">
+            <a:avLst/>
+          </a:prstGeom>
+          <a:noFill/>
+        </p:spPr>
+        <p:txBody>
+          <a:bodyPr wrap="square" rtlCol="0">
+            <a:spAutoFit/>
+          </a:bodyPr>
+          <a:lstStyle/>
+          <a:p>
+            <a:r>
+              <a:rPr lang="en-US" sz="1600" dirty="0" smtClean="0">
+                <a:solidFill>
+                  <a:srgbClr val="FF0000"/>
+                </a:solidFill>
+              </a:rPr>
+              <a:t>depends</a:t>
+            </a:r>
+            <a:endParaRPr lang="en-US" sz="1600" dirty="0">
+              <a:solidFill>
+                <a:srgbClr val="FF0000"/>
+              </a:solidFill>
+            </a:endParaRPr>
+          </a:p>
+        </p:txBody>
+      </p:sp>
+      <p:sp>
+        <p:nvSpPr>
+          <p:cNvPr id="34" name="Oval 33"/>
+          <p:cNvSpPr/>
+          <p:nvPr/>
+        </p:nvSpPr>
+        <p:spPr>
+          <a:xfrm>
+            <a:off x="7848600" y="4191000"/>
+            <a:ext cx="228600" cy="228600"/>
+          </a:xfrm>
+          <a:prstGeom prst="ellipse">
+            <a:avLst/>
+          </a:prstGeom>
+        </p:spPr>
+        <p:style>
+          <a:lnRef idx="2">
+            <a:schemeClr val="accent1">
+              <a:shade val="50000"/>
+            </a:schemeClr>
+          </a:lnRef>
+          <a:fillRef idx="1">
+            <a:schemeClr val="accent1"/>
+          </a:fillRef>
+          <a:effectRef idx="0">
+            <a:schemeClr val="accent1"/>
+          </a:effectRef>
+          <a:fontRef idx="minor">
+            <a:schemeClr val="lt1"/>
+          </a:fontRef>
+        </p:style>
+        <p:txBody>
+          <a:bodyPr rtlCol="0" anchor="ctr"/>
+          <a:lstStyle/>
+          <a:p>
+            <a:pPr algn="ctr"/>
+            <a:endParaRPr lang="en-US"/>
+          </a:p>
+        </p:txBody>
+      </p:sp>
+      <p:cxnSp>
+        <p:nvCxnSpPr>
+          <p:cNvPr id="37" name="Straight Connector 36"/>
+          <p:cNvCxnSpPr>
+            <a:stCxn id="34" idx="4"/>
+          </p:cNvCxnSpPr>
+          <p:nvPr/>
+        </p:nvCxnSpPr>
+        <p:spPr>
+          <a:xfrm flipH="1">
+            <a:off x="7924800" y="4419600"/>
+            <a:ext cx="38100" cy="609600"/>
+          </a:xfrm>
+          <a:prstGeom prst="line">
+            <a:avLst/>
+          </a:prstGeom>
+          <a:ln w="38100"/>
+        </p:spPr>
+        <p:style>
+          <a:lnRef idx="1">
+            <a:schemeClr val="accent1"/>
+          </a:lnRef>
+          <a:fillRef idx="0">
+            <a:schemeClr val="accent1"/>
+          </a:fillRef>
+          <a:effectRef idx="0">
+            <a:schemeClr val="accent1"/>
+          </a:effectRef>
+          <a:fontRef idx="minor">
+            <a:schemeClr val="tx1"/>
+          </a:fontRef>
+        </p:style>
+      </p:cxnSp>
+      <p:cxnSp>
+        <p:nvCxnSpPr>
+          <p:cNvPr id="39" name="Straight Connector 38"/>
+          <p:cNvCxnSpPr/>
+          <p:nvPr/>
+        </p:nvCxnSpPr>
+        <p:spPr>
+          <a:xfrm flipH="1">
+            <a:off x="7772400" y="4572000"/>
+            <a:ext cx="342900" cy="0"/>
+          </a:xfrm>
+          <a:prstGeom prst="line">
+            <a:avLst/>
+          </a:prstGeom>
+          <a:ln w="38100"/>
+        </p:spPr>
+        <p:style>
+          <a:lnRef idx="1">
+            <a:schemeClr val="accent1"/>
+          </a:lnRef>
+          <a:fillRef idx="0">
+            <a:schemeClr val="accent1"/>
+          </a:fillRef>
+          <a:effectRef idx="0">
+            <a:schemeClr val="accent1"/>
+          </a:effectRef>
+          <a:fontRef idx="minor">
+            <a:schemeClr val="tx1"/>
+          </a:fontRef>
+        </p:style>
+      </p:cxnSp>
+      <p:cxnSp>
+        <p:nvCxnSpPr>
+          <p:cNvPr id="43" name="Straight Connector 42"/>
+          <p:cNvCxnSpPr/>
+          <p:nvPr/>
+        </p:nvCxnSpPr>
+        <p:spPr>
+          <a:xfrm flipH="1" flipV="1">
+            <a:off x="7924800" y="5029200"/>
+            <a:ext cx="152400" cy="304800"/>
+          </a:xfrm>
+          <a:prstGeom prst="line">
+            <a:avLst/>
+          </a:prstGeom>
+          <a:ln w="38100"/>
+        </p:spPr>
+        <p:style>
+          <a:lnRef idx="1">
+            <a:schemeClr val="accent1"/>
+          </a:lnRef>
+          <a:fillRef idx="0">
+            <a:schemeClr val="accent1"/>
+          </a:fillRef>
+          <a:effectRef idx="0">
+            <a:schemeClr val="accent1"/>
+          </a:effectRef>
+          <a:fontRef idx="minor">
+            <a:schemeClr val="tx1"/>
+          </a:fontRef>
+        </p:style>
+      </p:cxnSp>
+      <p:cxnSp>
+        <p:nvCxnSpPr>
+          <p:cNvPr id="44" name="Straight Connector 43"/>
+          <p:cNvCxnSpPr/>
+          <p:nvPr/>
+        </p:nvCxnSpPr>
+        <p:spPr>
+          <a:xfrm flipV="1">
+            <a:off x="7696200" y="5029200"/>
+            <a:ext cx="228600" cy="304800"/>
+          </a:xfrm>
+          <a:prstGeom prst="line">
+            <a:avLst/>
+          </a:prstGeom>
+          <a:ln w="38100"/>
+        </p:spPr>
+        <p:style>
+          <a:lnRef idx="1">
+            <a:schemeClr val="accent1"/>
+          </a:lnRef>
+          <a:fillRef idx="0">
+            <a:schemeClr val="accent1"/>
+          </a:fillRef>
+          <a:effectRef idx="0">
+            <a:schemeClr val="accent1"/>
+          </a:effectRef>
+          <a:fontRef idx="minor">
+            <a:schemeClr val="tx1"/>
+          </a:fontRef>
+        </p:style>
+      </p:cxnSp>
+      <p:sp>
+        <p:nvSpPr>
+          <p:cNvPr id="46" name="TextBox 45"/>
+          <p:cNvSpPr txBox="1"/>
+          <p:nvPr/>
+        </p:nvSpPr>
+        <p:spPr>
+          <a:xfrm>
+            <a:off x="7620000" y="5410200"/>
+            <a:ext cx="1143000" cy="369332"/>
+          </a:xfrm>
+          <a:prstGeom prst="rect">
+            <a:avLst/>
+          </a:prstGeom>
+          <a:noFill/>
+        </p:spPr>
+        <p:txBody>
+          <a:bodyPr wrap="square" rtlCol="0">
+            <a:spAutoFit/>
+          </a:bodyPr>
+          <a:lstStyle/>
+          <a:p>
+            <a:r>
+              <a:rPr lang="en-US" dirty="0" smtClean="0"/>
+              <a:t>TMS</a:t>
+            </a:r>
+            <a:endParaRPr lang="en-US" dirty="0"/>
+          </a:p>
+        </p:txBody>
+      </p:sp>
+      <p:sp>
+        <p:nvSpPr>
+          <p:cNvPr id="48" name="TextBox 47"/>
+          <p:cNvSpPr txBox="1"/>
+          <p:nvPr/>
+        </p:nvSpPr>
+        <p:spPr>
+          <a:xfrm>
+            <a:off x="609600" y="304800"/>
+            <a:ext cx="8229600" cy="461665"/>
+          </a:xfrm>
+          <a:prstGeom prst="rect">
+            <a:avLst/>
+          </a:prstGeom>
+          <a:noFill/>
+        </p:spPr>
+        <p:txBody>
+          <a:bodyPr wrap="square" rtlCol="0">
+            <a:spAutoFit/>
+          </a:bodyPr>
+          <a:lstStyle/>
+          <a:p>
+            <a:r>
+              <a:rPr lang="en-US" sz="2400" dirty="0" smtClean="0"/>
+              <a:t>Use case diagram for deposit and Transaction with card Module</a:t>
+            </a:r>
+            <a:endParaRPr lang="en-US" sz="2400" dirty="0"/>
+          </a:p>
+        </p:txBody>
+      </p:sp>
+      <p:sp>
+        <p:nvSpPr>
+          <p:cNvPr id="49" name="Oval 48"/>
+          <p:cNvSpPr/>
+          <p:nvPr/>
+        </p:nvSpPr>
+        <p:spPr>
+          <a:xfrm>
+            <a:off x="8229600" y="1143000"/>
+            <a:ext cx="228600" cy="228600"/>
+          </a:xfrm>
+          <a:prstGeom prst="ellipse">
+            <a:avLst/>
+          </a:prstGeom>
+        </p:spPr>
+        <p:style>
+          <a:lnRef idx="2">
+            <a:schemeClr val="accent1">
+              <a:shade val="50000"/>
+            </a:schemeClr>
+          </a:lnRef>
+          <a:fillRef idx="1">
+            <a:schemeClr val="accent1"/>
+          </a:fillRef>
+          <a:effectRef idx="0">
+            <a:schemeClr val="accent1"/>
+          </a:effectRef>
+          <a:fontRef idx="minor">
+            <a:schemeClr val="lt1"/>
+          </a:fontRef>
+        </p:style>
+        <p:txBody>
+          <a:bodyPr rtlCol="0" anchor="ctr"/>
+          <a:lstStyle/>
+          <a:p>
+            <a:pPr algn="ctr"/>
+            <a:endParaRPr lang="en-US"/>
+          </a:p>
+        </p:txBody>
+      </p:sp>
+      <p:cxnSp>
+        <p:nvCxnSpPr>
+          <p:cNvPr id="50" name="Straight Connector 49"/>
+          <p:cNvCxnSpPr>
+            <a:stCxn id="49" idx="4"/>
+          </p:cNvCxnSpPr>
+          <p:nvPr/>
+        </p:nvCxnSpPr>
+        <p:spPr>
+          <a:xfrm flipH="1">
+            <a:off x="8305800" y="1371600"/>
+            <a:ext cx="38100" cy="609600"/>
+          </a:xfrm>
+          <a:prstGeom prst="line">
+            <a:avLst/>
+          </a:prstGeom>
+          <a:ln w="38100"/>
+        </p:spPr>
+        <p:style>
+          <a:lnRef idx="1">
+            <a:schemeClr val="accent1"/>
+          </a:lnRef>
+          <a:fillRef idx="0">
+            <a:schemeClr val="accent1"/>
+          </a:fillRef>
+          <a:effectRef idx="0">
+            <a:schemeClr val="accent1"/>
+          </a:effectRef>
+          <a:fontRef idx="minor">
+            <a:schemeClr val="tx1"/>
+          </a:fontRef>
+        </p:style>
+      </p:cxnSp>
+      <p:cxnSp>
+        <p:nvCxnSpPr>
+          <p:cNvPr id="51" name="Straight Connector 50"/>
+          <p:cNvCxnSpPr/>
+          <p:nvPr/>
+        </p:nvCxnSpPr>
+        <p:spPr>
+          <a:xfrm flipH="1">
+            <a:off x="8153400" y="1524000"/>
+            <a:ext cx="342900" cy="0"/>
+          </a:xfrm>
+          <a:prstGeom prst="line">
+            <a:avLst/>
+          </a:prstGeom>
+          <a:ln w="38100"/>
+        </p:spPr>
+        <p:style>
+          <a:lnRef idx="1">
+            <a:schemeClr val="accent1"/>
+          </a:lnRef>
+          <a:fillRef idx="0">
+            <a:schemeClr val="accent1"/>
+          </a:fillRef>
+          <a:effectRef idx="0">
+            <a:schemeClr val="accent1"/>
+          </a:effectRef>
+          <a:fontRef idx="minor">
+            <a:schemeClr val="tx1"/>
+          </a:fontRef>
+        </p:style>
+      </p:cxnSp>
+      <p:cxnSp>
+        <p:nvCxnSpPr>
+          <p:cNvPr id="52" name="Straight Connector 51"/>
+          <p:cNvCxnSpPr/>
+          <p:nvPr/>
+        </p:nvCxnSpPr>
+        <p:spPr>
+          <a:xfrm flipH="1" flipV="1">
+            <a:off x="8305800" y="1981200"/>
+            <a:ext cx="152400" cy="304800"/>
+          </a:xfrm>
+          <a:prstGeom prst="line">
+            <a:avLst/>
+          </a:prstGeom>
+          <a:ln w="38100"/>
+        </p:spPr>
+        <p:style>
+          <a:lnRef idx="1">
+            <a:schemeClr val="accent1"/>
+          </a:lnRef>
+          <a:fillRef idx="0">
+            <a:schemeClr val="accent1"/>
+          </a:fillRef>
+          <a:effectRef idx="0">
+            <a:schemeClr val="accent1"/>
+          </a:effectRef>
+          <a:fontRef idx="minor">
+            <a:schemeClr val="tx1"/>
+          </a:fontRef>
+        </p:style>
+      </p:cxnSp>
+      <p:cxnSp>
+        <p:nvCxnSpPr>
+          <p:cNvPr id="53" name="Straight Connector 52"/>
+          <p:cNvCxnSpPr/>
+          <p:nvPr/>
+        </p:nvCxnSpPr>
+        <p:spPr>
+          <a:xfrm flipV="1">
+            <a:off x="8077200" y="1981200"/>
+            <a:ext cx="228600" cy="304800"/>
+          </a:xfrm>
+          <a:prstGeom prst="line">
+            <a:avLst/>
+          </a:prstGeom>
+          <a:ln w="38100"/>
+        </p:spPr>
+        <p:style>
+          <a:lnRef idx="1">
+            <a:schemeClr val="accent1"/>
+          </a:lnRef>
+          <a:fillRef idx="0">
+            <a:schemeClr val="accent1"/>
+          </a:fillRef>
+          <a:effectRef idx="0">
+            <a:schemeClr val="accent1"/>
+          </a:effectRef>
+          <a:fontRef idx="minor">
+            <a:schemeClr val="tx1"/>
+          </a:fontRef>
+        </p:style>
+      </p:cxnSp>
+      <p:sp>
+        <p:nvSpPr>
+          <p:cNvPr id="54" name="TextBox 53"/>
+          <p:cNvSpPr txBox="1"/>
+          <p:nvPr/>
+        </p:nvSpPr>
+        <p:spPr>
+          <a:xfrm>
+            <a:off x="8001000" y="2209800"/>
+            <a:ext cx="1143000" cy="369332"/>
+          </a:xfrm>
+          <a:prstGeom prst="rect">
+            <a:avLst/>
+          </a:prstGeom>
+          <a:noFill/>
+        </p:spPr>
+        <p:txBody>
+          <a:bodyPr wrap="square" rtlCol="0">
+            <a:spAutoFit/>
+          </a:bodyPr>
+          <a:lstStyle/>
+          <a:p>
+            <a:r>
+              <a:rPr lang="en-US" dirty="0" smtClean="0"/>
+              <a:t>System</a:t>
+            </a:r>
+            <a:endParaRPr lang="en-US" dirty="0"/>
+          </a:p>
+        </p:txBody>
+      </p:sp>
+      <p:sp>
+        <p:nvSpPr>
+          <p:cNvPr id="57" name="Oval 56"/>
+          <p:cNvSpPr/>
+          <p:nvPr/>
+        </p:nvSpPr>
+        <p:spPr>
+          <a:xfrm>
+            <a:off x="4648200" y="1600200"/>
+            <a:ext cx="2209800" cy="762000"/>
+          </a:xfrm>
+          <a:prstGeom prst="ellipse">
+            <a:avLst/>
+          </a:prstGeom>
+          <a:noFill/>
+        </p:spPr>
+        <p:style>
+          <a:lnRef idx="2">
+            <a:schemeClr val="accent1">
+              <a:shade val="50000"/>
+            </a:schemeClr>
+          </a:lnRef>
+          <a:fillRef idx="1">
+            <a:schemeClr val="accent1"/>
+          </a:fillRef>
+          <a:effectRef idx="0">
+            <a:schemeClr val="accent1"/>
+          </a:effectRef>
+          <a:fontRef idx="minor">
+            <a:schemeClr val="lt1"/>
+          </a:fontRef>
+        </p:style>
+        <p:txBody>
+          <a:bodyPr rtlCol="0" anchor="ctr"/>
+          <a:lstStyle/>
+          <a:p>
+            <a:pPr algn="ctr"/>
+            <a:r>
+              <a:rPr lang="en-US" sz="1600" dirty="0" smtClean="0">
+                <a:solidFill>
+                  <a:schemeClr val="tx1"/>
+                </a:solidFill>
+              </a:rPr>
+              <a:t>Update balance Adjust credit limit</a:t>
+            </a:r>
+            <a:endParaRPr lang="en-US" sz="1600" dirty="0">
+              <a:solidFill>
+                <a:schemeClr val="tx1"/>
+              </a:solidFill>
+            </a:endParaRPr>
+          </a:p>
+        </p:txBody>
+      </p:sp>
+      <p:cxnSp>
+        <p:nvCxnSpPr>
+          <p:cNvPr id="58" name="Straight Arrow Connector 57"/>
+          <p:cNvCxnSpPr>
+            <a:endCxn id="57" idx="6"/>
+          </p:cNvCxnSpPr>
+          <p:nvPr/>
+        </p:nvCxnSpPr>
+        <p:spPr>
+          <a:xfrm flipH="1">
+            <a:off x="6858000" y="1905000"/>
+            <a:ext cx="1219200" cy="76200"/>
+          </a:xfrm>
+          <a:prstGeom prst="straightConnector1">
+            <a:avLst/>
+          </a:prstGeom>
+          <a:ln>
+            <a:tailEnd type="arrow"/>
+          </a:ln>
+        </p:spPr>
+        <p:style>
+          <a:lnRef idx="1">
+            <a:schemeClr val="accent1"/>
+          </a:lnRef>
+          <a:fillRef idx="0">
+            <a:schemeClr val="accent1"/>
+          </a:fillRef>
+          <a:effectRef idx="0">
+            <a:schemeClr val="accent1"/>
+          </a:effectRef>
+          <a:fontRef idx="minor">
+            <a:schemeClr val="tx1"/>
+          </a:fontRef>
+        </p:style>
+      </p:cxnSp>
+      <p:cxnSp>
+        <p:nvCxnSpPr>
+          <p:cNvPr id="66" name="Straight Arrow Connector 65"/>
+          <p:cNvCxnSpPr/>
+          <p:nvPr/>
+        </p:nvCxnSpPr>
+        <p:spPr>
+          <a:xfrm flipH="1" flipV="1">
+            <a:off x="4343400" y="4648200"/>
+            <a:ext cx="304800" cy="228600"/>
+          </a:xfrm>
+          <a:prstGeom prst="straightConnector1">
+            <a:avLst/>
+          </a:prstGeom>
+          <a:ln>
+            <a:solidFill>
+              <a:srgbClr val="FF0000"/>
+            </a:solidFill>
+            <a:tailEnd type="arrow"/>
+          </a:ln>
+        </p:spPr>
+        <p:style>
+          <a:lnRef idx="1">
+            <a:schemeClr val="accent1"/>
+          </a:lnRef>
+          <a:fillRef idx="0">
+            <a:schemeClr val="accent1"/>
+          </a:fillRef>
+          <a:effectRef idx="0">
+            <a:schemeClr val="accent1"/>
+          </a:effectRef>
+          <a:fontRef idx="minor">
+            <a:schemeClr val="tx1"/>
+          </a:fontRef>
+        </p:style>
+      </p:cxnSp>
+      <p:sp>
+        <p:nvSpPr>
+          <p:cNvPr id="68" name="TextBox 67"/>
+          <p:cNvSpPr txBox="1"/>
+          <p:nvPr/>
+        </p:nvSpPr>
+        <p:spPr>
+          <a:xfrm>
+            <a:off x="6172200" y="2819400"/>
+            <a:ext cx="1752600" cy="338554"/>
+          </a:xfrm>
+          <a:prstGeom prst="rect">
+            <a:avLst/>
+          </a:prstGeom>
+          <a:noFill/>
+        </p:spPr>
+        <p:txBody>
+          <a:bodyPr wrap="square" rtlCol="0">
+            <a:spAutoFit/>
+          </a:bodyPr>
+          <a:lstStyle/>
+          <a:p>
+            <a:r>
+              <a:rPr lang="en-US" sz="1600" dirty="0" smtClean="0">
+                <a:solidFill>
+                  <a:srgbClr val="FF0000"/>
+                </a:solidFill>
+              </a:rPr>
+              <a:t>extends</a:t>
+            </a:r>
+            <a:endParaRPr lang="en-US" sz="1600" dirty="0">
+              <a:solidFill>
+                <a:srgbClr val="FF0000"/>
+              </a:solidFill>
+            </a:endParaRPr>
+          </a:p>
+        </p:txBody>
+      </p:sp>
+      <p:cxnSp>
+        <p:nvCxnSpPr>
+          <p:cNvPr id="69" name="Straight Arrow Connector 68"/>
+          <p:cNvCxnSpPr/>
+          <p:nvPr/>
+        </p:nvCxnSpPr>
+        <p:spPr>
+          <a:xfrm flipH="1">
+            <a:off x="5638800" y="2362200"/>
+            <a:ext cx="381000" cy="2057400"/>
+          </a:xfrm>
+          <a:prstGeom prst="straightConnector1">
+            <a:avLst/>
+          </a:prstGeom>
+          <a:ln>
+            <a:solidFill>
+              <a:srgbClr val="FF0000"/>
+            </a:solidFill>
+            <a:tailEnd type="arrow"/>
+          </a:ln>
+        </p:spPr>
+        <p:style>
+          <a:lnRef idx="1">
+            <a:schemeClr val="accent1"/>
+          </a:lnRef>
+          <a:fillRef idx="0">
+            <a:schemeClr val="accent1"/>
+          </a:fillRef>
+          <a:effectRef idx="0">
+            <a:schemeClr val="accent1"/>
+          </a:effectRef>
+          <a:fontRef idx="minor">
+            <a:schemeClr val="tx1"/>
+          </a:fontRef>
+        </p:style>
+      </p:cxnSp>
+      <p:sp>
+        <p:nvSpPr>
+          <p:cNvPr id="70" name="TextBox 69"/>
+          <p:cNvSpPr txBox="1"/>
+          <p:nvPr/>
+        </p:nvSpPr>
+        <p:spPr>
+          <a:xfrm>
+            <a:off x="5715000" y="4038600"/>
+            <a:ext cx="1752600" cy="338554"/>
+          </a:xfrm>
+          <a:prstGeom prst="rect">
+            <a:avLst/>
+          </a:prstGeom>
+          <a:noFill/>
+        </p:spPr>
+        <p:txBody>
+          <a:bodyPr wrap="square" rtlCol="0">
+            <a:spAutoFit/>
+          </a:bodyPr>
+          <a:lstStyle/>
+          <a:p>
+            <a:r>
+              <a:rPr lang="en-US" sz="1600" dirty="0" smtClean="0">
+                <a:solidFill>
+                  <a:srgbClr val="FF0000"/>
+                </a:solidFill>
+              </a:rPr>
+              <a:t>extends</a:t>
+            </a:r>
+            <a:endParaRPr lang="en-US" sz="1600" dirty="0">
+              <a:solidFill>
+                <a:srgbClr val="FF0000"/>
+              </a:solidFill>
+            </a:endParaRPr>
+          </a:p>
+        </p:txBody>
+      </p:sp>
     </p:spTree>
   </p:cSld>
   <p:clrMapOvr>

--- a/Erd.pptx
+++ b/Erd.pptx
@@ -4327,6 +4327,11 @@
           <a:prstGeom prst="ellipse">
             <a:avLst/>
           </a:prstGeom>
+          <a:ln>
+            <a:solidFill>
+              <a:srgbClr val="FF0000"/>
+            </a:solidFill>
+          </a:ln>
         </p:spPr>
         <p:style>
           <a:lnRef idx="2">
